--- a/基础PPT/第6章：Java异常处理.pptx
+++ b/基础PPT/第6章：Java异常处理.pptx
@@ -5,22 +5,26 @@
     <p:sldMasterId id="2147483648" r:id="rId1"/>
   </p:sldMasterIdLst>
   <p:notesMasterIdLst>
-    <p:notesMasterId r:id="rId16"/>
+    <p:notesMasterId r:id="rId20"/>
   </p:notesMasterIdLst>
   <p:sldIdLst>
     <p:sldId id="660" r:id="rId3"/>
     <p:sldId id="678" r:id="rId4"/>
-    <p:sldId id="680" r:id="rId5"/>
-    <p:sldId id="681" r:id="rId6"/>
-    <p:sldId id="682" r:id="rId7"/>
-    <p:sldId id="683" r:id="rId8"/>
-    <p:sldId id="684" r:id="rId9"/>
-    <p:sldId id="685" r:id="rId10"/>
-    <p:sldId id="686" r:id="rId11"/>
-    <p:sldId id="687" r:id="rId12"/>
-    <p:sldId id="688" r:id="rId13"/>
-    <p:sldId id="689" r:id="rId14"/>
-    <p:sldId id="662" r:id="rId15"/>
+    <p:sldId id="694" r:id="rId5"/>
+    <p:sldId id="680" r:id="rId6"/>
+    <p:sldId id="692" r:id="rId7"/>
+    <p:sldId id="681" r:id="rId8"/>
+    <p:sldId id="693" r:id="rId9"/>
+    <p:sldId id="682" r:id="rId10"/>
+    <p:sldId id="691" r:id="rId11"/>
+    <p:sldId id="683" r:id="rId12"/>
+    <p:sldId id="684" r:id="rId13"/>
+    <p:sldId id="685" r:id="rId14"/>
+    <p:sldId id="686" r:id="rId15"/>
+    <p:sldId id="687" r:id="rId16"/>
+    <p:sldId id="688" r:id="rId17"/>
+    <p:sldId id="689" r:id="rId18"/>
+    <p:sldId id="662" r:id="rId19"/>
   </p:sldIdLst>
   <p:sldSz cx="12192000" cy="6858000"/>
   <p:notesSz cx="6858000" cy="9144000"/>
@@ -6367,14 +6371,14 @@
       <p:grpSpPr/>
       <p:sp>
         <p:nvSpPr>
-          <p:cNvPr id="2" name="文本框 1"/>
+          <p:cNvPr id="3" name="文本框 2"/>
           <p:cNvSpPr txBox="1"/>
           <p:nvPr/>
         </p:nvSpPr>
         <p:spPr>
           <a:xfrm>
-            <a:off x="257810" y="764540"/>
-            <a:ext cx="11721465" cy="1322070"/>
+            <a:off x="237490" y="864870"/>
+            <a:ext cx="11894185" cy="3538220"/>
           </a:xfrm>
           <a:prstGeom prst="rect">
             <a:avLst/>
@@ -6387,36 +6391,51 @@
           </a:bodyPr>
           <a:p>
             <a:r>
-              <a:rPr lang="zh-CN" altLang="en-US" sz="1600">
+              <a:rPr lang="en-US" altLang="zh-CN" sz="1600">
                 <a:latin typeface="宋体" panose="02010600030101010101" pitchFamily="2" charset="-122"/>
                 <a:ea typeface="宋体" panose="02010600030101010101" pitchFamily="2" charset="-122"/>
                 <a:cs typeface="宋体" panose="02010600030101010101" pitchFamily="2" charset="-122"/>
               </a:rPr>
-              <a:t>      1. 为什么要创建自己的异常？</a:t>
-            </a:r>
-            <a:endParaRPr lang="zh-CN" altLang="en-US" sz="1600">
+              <a:t>Throwable类中常用方法如下：</a:t>
+            </a:r>
+            <a:endParaRPr lang="en-US" altLang="zh-CN" sz="1600">
               <a:latin typeface="宋体" panose="02010600030101010101" pitchFamily="2" charset="-122"/>
               <a:ea typeface="宋体" panose="02010600030101010101" pitchFamily="2" charset="-122"/>
               <a:cs typeface="宋体" panose="02010600030101010101" pitchFamily="2" charset="-122"/>
             </a:endParaRPr>
           </a:p>
           <a:p>
-            <a:r>
-              <a:rPr lang="zh-CN" altLang="en-US" sz="1600">
+            <a:endParaRPr lang="en-US" altLang="zh-CN" sz="1600">
+              <a:latin typeface="宋体" panose="02010600030101010101" pitchFamily="2" charset="-122"/>
+              <a:ea typeface="宋体" panose="02010600030101010101" pitchFamily="2" charset="-122"/>
+              <a:cs typeface="宋体" panose="02010600030101010101" pitchFamily="2" charset="-122"/>
+            </a:endParaRPr>
+          </a:p>
+          <a:p>
+            <a:r>
+              <a:rPr lang="en-US" altLang="zh-CN" sz="1600">
                 <a:latin typeface="宋体" panose="02010600030101010101" pitchFamily="2" charset="-122"/>
                 <a:ea typeface="宋体" panose="02010600030101010101" pitchFamily="2" charset="-122"/>
                 <a:cs typeface="宋体" panose="02010600030101010101" pitchFamily="2" charset="-122"/>
               </a:rPr>
-              <a:t>      答：当Java内置的异常都不能明确的说明异常情况的时候，需要创建自己的异常。</a:t>
-            </a:r>
-            <a:endParaRPr lang="zh-CN" altLang="en-US" sz="1600">
+              <a:t>1. 返回异常发生时的详细信息</a:t>
+            </a:r>
+            <a:endParaRPr lang="en-US" altLang="zh-CN" sz="1600">
               <a:latin typeface="宋体" panose="02010600030101010101" pitchFamily="2" charset="-122"/>
               <a:ea typeface="宋体" panose="02010600030101010101" pitchFamily="2" charset="-122"/>
               <a:cs typeface="宋体" panose="02010600030101010101" pitchFamily="2" charset="-122"/>
             </a:endParaRPr>
           </a:p>
           <a:p>
-            <a:endParaRPr lang="zh-CN" altLang="en-US" sz="1600">
+            <a:r>
+              <a:rPr lang="en-US" altLang="zh-CN" sz="1600">
+                <a:latin typeface="宋体" panose="02010600030101010101" pitchFamily="2" charset="-122"/>
+                <a:ea typeface="宋体" panose="02010600030101010101" pitchFamily="2" charset="-122"/>
+                <a:cs typeface="宋体" panose="02010600030101010101" pitchFamily="2" charset="-122"/>
+              </a:rPr>
+              <a:t>public string getMessage();</a:t>
+            </a:r>
+            <a:endParaRPr lang="en-US" altLang="zh-CN" sz="1600">
               <a:latin typeface="宋体" panose="02010600030101010101" pitchFamily="2" charset="-122"/>
               <a:ea typeface="宋体" panose="02010600030101010101" pitchFamily="2" charset="-122"/>
               <a:cs typeface="宋体" panose="02010600030101010101" pitchFamily="2" charset="-122"/>
@@ -6424,14 +6443,14 @@
           </a:p>
           <a:p>
             <a:r>
-              <a:rPr lang="zh-CN" altLang="en-US" sz="1600">
+              <a:rPr lang="en-US" altLang="zh-CN" sz="1600">
                 <a:latin typeface="宋体" panose="02010600030101010101" pitchFamily="2" charset="-122"/>
                 <a:ea typeface="宋体" panose="02010600030101010101" pitchFamily="2" charset="-122"/>
                 <a:cs typeface="宋体" panose="02010600030101010101" pitchFamily="2" charset="-122"/>
               </a:rPr>
-              <a:t>      2. 应该在声明方法抛出异常还是在方法中捕获异常？</a:t>
-            </a:r>
-            <a:endParaRPr lang="zh-CN" altLang="en-US" sz="1600">
+              <a:t> </a:t>
+            </a:r>
+            <a:endParaRPr lang="en-US" altLang="zh-CN" sz="1600">
               <a:latin typeface="宋体" panose="02010600030101010101" pitchFamily="2" charset="-122"/>
               <a:ea typeface="宋体" panose="02010600030101010101" pitchFamily="2" charset="-122"/>
               <a:cs typeface="宋体" panose="02010600030101010101" pitchFamily="2" charset="-122"/>
@@ -6439,14 +6458,119 @@
           </a:p>
           <a:p>
             <a:r>
-              <a:rPr lang="zh-CN" altLang="en-US" sz="1600">
+              <a:rPr lang="en-US" altLang="zh-CN" sz="1600">
                 <a:latin typeface="宋体" panose="02010600030101010101" pitchFamily="2" charset="-122"/>
                 <a:ea typeface="宋体" panose="02010600030101010101" pitchFamily="2" charset="-122"/>
                 <a:cs typeface="宋体" panose="02010600030101010101" pitchFamily="2" charset="-122"/>
               </a:rPr>
-              <a:t>      答：捕捉并处理知道如何处理的异常，而抛出不知道如何处理的异常。</a:t>
-            </a:r>
-            <a:endParaRPr lang="zh-CN" altLang="en-US" sz="1600">
+              <a:t>2. 返回异常发生时的简要描述</a:t>
+            </a:r>
+            <a:endParaRPr lang="en-US" altLang="zh-CN" sz="1600">
+              <a:latin typeface="宋体" panose="02010600030101010101" pitchFamily="2" charset="-122"/>
+              <a:ea typeface="宋体" panose="02010600030101010101" pitchFamily="2" charset="-122"/>
+              <a:cs typeface="宋体" panose="02010600030101010101" pitchFamily="2" charset="-122"/>
+            </a:endParaRPr>
+          </a:p>
+          <a:p>
+            <a:r>
+              <a:rPr lang="en-US" altLang="zh-CN" sz="1600">
+                <a:latin typeface="宋体" panose="02010600030101010101" pitchFamily="2" charset="-122"/>
+                <a:ea typeface="宋体" panose="02010600030101010101" pitchFamily="2" charset="-122"/>
+                <a:cs typeface="宋体" panose="02010600030101010101" pitchFamily="2" charset="-122"/>
+              </a:rPr>
+              <a:t>public string toString();</a:t>
+            </a:r>
+            <a:endParaRPr lang="en-US" altLang="zh-CN" sz="1600">
+              <a:latin typeface="宋体" panose="02010600030101010101" pitchFamily="2" charset="-122"/>
+              <a:ea typeface="宋体" panose="02010600030101010101" pitchFamily="2" charset="-122"/>
+              <a:cs typeface="宋体" panose="02010600030101010101" pitchFamily="2" charset="-122"/>
+            </a:endParaRPr>
+          </a:p>
+          <a:p>
+            <a:r>
+              <a:rPr lang="en-US" altLang="zh-CN" sz="1600">
+                <a:latin typeface="宋体" panose="02010600030101010101" pitchFamily="2" charset="-122"/>
+                <a:ea typeface="宋体" panose="02010600030101010101" pitchFamily="2" charset="-122"/>
+                <a:cs typeface="宋体" panose="02010600030101010101" pitchFamily="2" charset="-122"/>
+              </a:rPr>
+              <a:t> </a:t>
+            </a:r>
+            <a:endParaRPr lang="en-US" altLang="zh-CN" sz="1600">
+              <a:latin typeface="宋体" panose="02010600030101010101" pitchFamily="2" charset="-122"/>
+              <a:ea typeface="宋体" panose="02010600030101010101" pitchFamily="2" charset="-122"/>
+              <a:cs typeface="宋体" panose="02010600030101010101" pitchFamily="2" charset="-122"/>
+            </a:endParaRPr>
+          </a:p>
+          <a:p>
+            <a:r>
+              <a:rPr lang="en-US" altLang="zh-CN" sz="1600">
+                <a:latin typeface="宋体" panose="02010600030101010101" pitchFamily="2" charset="-122"/>
+                <a:ea typeface="宋体" panose="02010600030101010101" pitchFamily="2" charset="-122"/>
+                <a:cs typeface="宋体" panose="02010600030101010101" pitchFamily="2" charset="-122"/>
+              </a:rPr>
+              <a:t>3. 返回异常对象的本地化信息。使用Throwable的子类覆盖这个方法，可以声称本地化信息。如果子类没有覆盖该方法，则该方法返回的信息与getMessage（）返回的结果相同</a:t>
+            </a:r>
+            <a:endParaRPr lang="en-US" altLang="zh-CN" sz="1600">
+              <a:latin typeface="宋体" panose="02010600030101010101" pitchFamily="2" charset="-122"/>
+              <a:ea typeface="宋体" panose="02010600030101010101" pitchFamily="2" charset="-122"/>
+              <a:cs typeface="宋体" panose="02010600030101010101" pitchFamily="2" charset="-122"/>
+            </a:endParaRPr>
+          </a:p>
+          <a:p>
+            <a:r>
+              <a:rPr lang="en-US" altLang="zh-CN" sz="1600">
+                <a:latin typeface="宋体" panose="02010600030101010101" pitchFamily="2" charset="-122"/>
+                <a:ea typeface="宋体" panose="02010600030101010101" pitchFamily="2" charset="-122"/>
+                <a:cs typeface="宋体" panose="02010600030101010101" pitchFamily="2" charset="-122"/>
+              </a:rPr>
+              <a:t>public string getLocalizedMessage();</a:t>
+            </a:r>
+            <a:endParaRPr lang="en-US" altLang="zh-CN" sz="1600">
+              <a:latin typeface="宋体" panose="02010600030101010101" pitchFamily="2" charset="-122"/>
+              <a:ea typeface="宋体" panose="02010600030101010101" pitchFamily="2" charset="-122"/>
+              <a:cs typeface="宋体" panose="02010600030101010101" pitchFamily="2" charset="-122"/>
+            </a:endParaRPr>
+          </a:p>
+          <a:p>
+            <a:r>
+              <a:rPr lang="en-US" altLang="zh-CN" sz="1600">
+                <a:latin typeface="宋体" panose="02010600030101010101" pitchFamily="2" charset="-122"/>
+                <a:ea typeface="宋体" panose="02010600030101010101" pitchFamily="2" charset="-122"/>
+                <a:cs typeface="宋体" panose="02010600030101010101" pitchFamily="2" charset="-122"/>
+              </a:rPr>
+              <a:t> </a:t>
+            </a:r>
+            <a:endParaRPr lang="en-US" altLang="zh-CN" sz="1600">
+              <a:latin typeface="宋体" panose="02010600030101010101" pitchFamily="2" charset="-122"/>
+              <a:ea typeface="宋体" panose="02010600030101010101" pitchFamily="2" charset="-122"/>
+              <a:cs typeface="宋体" panose="02010600030101010101" pitchFamily="2" charset="-122"/>
+            </a:endParaRPr>
+          </a:p>
+          <a:p>
+            <a:r>
+              <a:rPr lang="en-US" altLang="zh-CN" sz="1600">
+                <a:latin typeface="宋体" panose="02010600030101010101" pitchFamily="2" charset="-122"/>
+                <a:ea typeface="宋体" panose="02010600030101010101" pitchFamily="2" charset="-122"/>
+                <a:cs typeface="宋体" panose="02010600030101010101" pitchFamily="2" charset="-122"/>
+              </a:rPr>
+              <a:t>4. 在控制台上打印Throwable对象封装的异常信息</a:t>
+            </a:r>
+            <a:endParaRPr lang="en-US" altLang="zh-CN" sz="1600">
+              <a:latin typeface="宋体" panose="02010600030101010101" pitchFamily="2" charset="-122"/>
+              <a:ea typeface="宋体" panose="02010600030101010101" pitchFamily="2" charset="-122"/>
+              <a:cs typeface="宋体" panose="02010600030101010101" pitchFamily="2" charset="-122"/>
+            </a:endParaRPr>
+          </a:p>
+          <a:p>
+            <a:r>
+              <a:rPr lang="en-US" altLang="zh-CN" sz="1600">
+                <a:latin typeface="宋体" panose="02010600030101010101" pitchFamily="2" charset="-122"/>
+                <a:ea typeface="宋体" panose="02010600030101010101" pitchFamily="2" charset="-122"/>
+                <a:cs typeface="宋体" panose="02010600030101010101" pitchFamily="2" charset="-122"/>
+              </a:rPr>
+              <a:t>public void printStackTrace();</a:t>
+            </a:r>
+            <a:endParaRPr lang="en-US" altLang="zh-CN" sz="1600">
               <a:latin typeface="宋体" panose="02010600030101010101" pitchFamily="2" charset="-122"/>
               <a:ea typeface="宋体" panose="02010600030101010101" pitchFamily="2" charset="-122"/>
               <a:cs typeface="宋体" panose="02010600030101010101" pitchFamily="2" charset="-122"/>
@@ -6466,1322 +6590,6 @@
 </file>
 
 <file path=ppt/slides/slide11.xml><?xml version="1.0" encoding="utf-8"?>
-<p:sld xmlns:a="http://schemas.openxmlformats.org/drawingml/2006/main" xmlns:r="http://schemas.openxmlformats.org/officeDocument/2006/relationships" xmlns:p="http://schemas.openxmlformats.org/presentationml/2006/main">
-  <p:cSld>
-    <p:bg>
-      <p:bgPr>
-        <a:blipFill rotWithShape="1">
-          <a:blip r:embed="rId1"/>
-          <a:stretch>
-            <a:fillRect/>
-          </a:stretch>
-        </a:blipFill>
-        <a:effectLst/>
-      </p:bgPr>
-    </p:bg>
-    <p:spTree>
-      <p:nvGrpSpPr>
-        <p:cNvPr id="1" name=""/>
-        <p:cNvGrpSpPr/>
-        <p:nvPr/>
-      </p:nvGrpSpPr>
-      <p:grpSpPr/>
-      <p:pic>
-        <p:nvPicPr>
-          <p:cNvPr id="2" name="图片 1"/>
-          <p:cNvPicPr>
-            <a:picLocks noChangeAspect="1"/>
-          </p:cNvPicPr>
-          <p:nvPr/>
-        </p:nvPicPr>
-        <p:blipFill>
-          <a:blip r:embed="rId2"/>
-          <a:stretch>
-            <a:fillRect/>
-          </a:stretch>
-        </p:blipFill>
-        <p:spPr>
-          <a:xfrm>
-            <a:off x="3002915" y="274320"/>
-            <a:ext cx="8763000" cy="6309360"/>
-          </a:xfrm>
-          <a:prstGeom prst="rect">
-            <a:avLst/>
-          </a:prstGeom>
-        </p:spPr>
-      </p:pic>
-      <p:sp>
-        <p:nvSpPr>
-          <p:cNvPr id="3" name="文本框 2"/>
-          <p:cNvSpPr txBox="1"/>
-          <p:nvPr/>
-        </p:nvSpPr>
-        <p:spPr>
-          <a:xfrm>
-            <a:off x="344170" y="1247775"/>
-            <a:ext cx="2079625" cy="368300"/>
-          </a:xfrm>
-          <a:prstGeom prst="rect">
-            <a:avLst/>
-          </a:prstGeom>
-          <a:noFill/>
-        </p:spPr>
-        <p:txBody>
-          <a:bodyPr wrap="square" rtlCol="0">
-            <a:spAutoFit/>
-          </a:bodyPr>
-          <a:p>
-            <a:r>
-              <a:rPr lang="zh-CN" altLang="en-US"/>
-              <a:t>支持 </a:t>
-            </a:r>
-            <a:r>
-              <a:rPr lang="en-US" altLang="zh-CN"/>
-              <a:t>junit </a:t>
-            </a:r>
-            <a:r>
-              <a:rPr lang="zh-CN" altLang="en-US"/>
-              <a:t>测试</a:t>
-            </a:r>
-            <a:endParaRPr lang="zh-CN" altLang="en-US"/>
-          </a:p>
-        </p:txBody>
-      </p:sp>
-    </p:spTree>
-    <p:custDataLst>
-      <p:tags r:id="rId3"/>
-    </p:custDataLst>
-  </p:cSld>
-  <p:clrMapOvr>
-    <a:masterClrMapping/>
-  </p:clrMapOvr>
-</p:sld>
-</file>
-
-<file path=ppt/slides/slide12.xml><?xml version="1.0" encoding="utf-8"?>
-<p:sld xmlns:a="http://schemas.openxmlformats.org/drawingml/2006/main" xmlns:r="http://schemas.openxmlformats.org/officeDocument/2006/relationships" xmlns:p="http://schemas.openxmlformats.org/presentationml/2006/main">
-  <p:cSld>
-    <p:bg>
-      <p:bgPr>
-        <a:blipFill rotWithShape="1">
-          <a:blip r:embed="rId1"/>
-          <a:stretch>
-            <a:fillRect/>
-          </a:stretch>
-        </a:blipFill>
-        <a:effectLst/>
-      </p:bgPr>
-    </p:bg>
-    <p:spTree>
-      <p:nvGrpSpPr>
-        <p:cNvPr id="1" name=""/>
-        <p:cNvGrpSpPr/>
-        <p:nvPr/>
-      </p:nvGrpSpPr>
-      <p:grpSpPr/>
-    </p:spTree>
-    <p:custDataLst>
-      <p:tags r:id="rId2"/>
-    </p:custDataLst>
-  </p:cSld>
-  <p:clrMapOvr>
-    <a:masterClrMapping/>
-  </p:clrMapOvr>
-</p:sld>
-</file>
-
-<file path=ppt/slides/slide13.xml><?xml version="1.0" encoding="utf-8"?>
-<p:sld xmlns:a="http://schemas.openxmlformats.org/drawingml/2006/main" xmlns:r="http://schemas.openxmlformats.org/officeDocument/2006/relationships" xmlns:p="http://schemas.openxmlformats.org/presentationml/2006/main">
-  <p:cSld>
-    <p:bg>
-      <p:bgPr>
-        <a:blipFill rotWithShape="1">
-          <a:blip r:embed="rId1"/>
-          <a:stretch>
-            <a:fillRect/>
-          </a:stretch>
-        </a:blipFill>
-        <a:effectLst/>
-      </p:bgPr>
-    </p:bg>
-    <p:spTree>
-      <p:nvGrpSpPr>
-        <p:cNvPr id="1" name=""/>
-        <p:cNvGrpSpPr/>
-        <p:nvPr/>
-      </p:nvGrpSpPr>
-      <p:grpSpPr/>
-    </p:spTree>
-    <p:custDataLst>
-      <p:tags r:id="rId2"/>
-    </p:custDataLst>
-  </p:cSld>
-  <p:clrMapOvr>
-    <a:masterClrMapping/>
-  </p:clrMapOvr>
-</p:sld>
-</file>
-
-<file path=ppt/slides/slide2.xml><?xml version="1.0" encoding="utf-8"?>
-<p:sld xmlns:a="http://schemas.openxmlformats.org/drawingml/2006/main" xmlns:r="http://schemas.openxmlformats.org/officeDocument/2006/relationships" xmlns:p="http://schemas.openxmlformats.org/presentationml/2006/main">
-  <p:cSld>
-    <p:bg>
-      <p:bgPr>
-        <a:blipFill rotWithShape="1">
-          <a:blip r:embed="rId1"/>
-          <a:stretch>
-            <a:fillRect/>
-          </a:stretch>
-        </a:blipFill>
-        <a:effectLst/>
-      </p:bgPr>
-    </p:bg>
-    <p:spTree>
-      <p:nvGrpSpPr>
-        <p:cNvPr id="1" name=""/>
-        <p:cNvGrpSpPr/>
-        <p:nvPr/>
-      </p:nvGrpSpPr>
-      <p:grpSpPr/>
-      <p:sp>
-        <p:nvSpPr>
-          <p:cNvPr id="2" name="文本框 1"/>
-          <p:cNvSpPr txBox="1"/>
-          <p:nvPr/>
-        </p:nvSpPr>
-        <p:spPr>
-          <a:xfrm>
-            <a:off x="3945890" y="819150"/>
-            <a:ext cx="3825240" cy="583565"/>
-          </a:xfrm>
-          <a:prstGeom prst="rect">
-            <a:avLst/>
-          </a:prstGeom>
-          <a:noFill/>
-        </p:spPr>
-        <p:txBody>
-          <a:bodyPr wrap="square" rtlCol="0">
-            <a:spAutoFit/>
-          </a:bodyPr>
-          <a:p>
-            <a:r>
-              <a:rPr lang="zh-CN" altLang="en-US" sz="3200"/>
-              <a:t>Java 异常处理</a:t>
-            </a:r>
-            <a:endParaRPr lang="zh-CN" altLang="en-US" sz="3200"/>
-          </a:p>
-        </p:txBody>
-      </p:sp>
-      <p:sp>
-        <p:nvSpPr>
-          <p:cNvPr id="3" name="文本框 2"/>
-          <p:cNvSpPr txBox="1"/>
-          <p:nvPr/>
-        </p:nvSpPr>
-        <p:spPr>
-          <a:xfrm>
-            <a:off x="185420" y="1602105"/>
-            <a:ext cx="11894185" cy="4523105"/>
-          </a:xfrm>
-          <a:prstGeom prst="rect">
-            <a:avLst/>
-          </a:prstGeom>
-          <a:noFill/>
-        </p:spPr>
-        <p:txBody>
-          <a:bodyPr wrap="square" rtlCol="0">
-            <a:spAutoFit/>
-          </a:bodyPr>
-          <a:p>
-            <a:r>
-              <a:rPr lang="en-US" altLang="zh-CN" sz="1600">
-                <a:latin typeface="宋体" panose="02010600030101010101" pitchFamily="2" charset="-122"/>
-                <a:ea typeface="宋体" panose="02010600030101010101" pitchFamily="2" charset="-122"/>
-                <a:cs typeface="宋体" panose="02010600030101010101" pitchFamily="2" charset="-122"/>
-              </a:rPr>
-              <a:t>一、 异常机制的概述</a:t>
-            </a:r>
-            <a:endParaRPr lang="en-US" altLang="zh-CN" sz="1600">
-              <a:latin typeface="宋体" panose="02010600030101010101" pitchFamily="2" charset="-122"/>
-              <a:ea typeface="宋体" panose="02010600030101010101" pitchFamily="2" charset="-122"/>
-              <a:cs typeface="宋体" panose="02010600030101010101" pitchFamily="2" charset="-122"/>
-            </a:endParaRPr>
-          </a:p>
-          <a:p>
-            <a:r>
-              <a:rPr lang="en-US" altLang="zh-CN" sz="1600">
-                <a:latin typeface="宋体" panose="02010600030101010101" pitchFamily="2" charset="-122"/>
-                <a:ea typeface="宋体" panose="02010600030101010101" pitchFamily="2" charset="-122"/>
-                <a:cs typeface="宋体" panose="02010600030101010101" pitchFamily="2" charset="-122"/>
-              </a:rPr>
-              <a:t>异常机制是指当程序出现错误后，程序如何处理。具体来说，异常机制提供了程序退出的安全通道。当出现错误后，程序执行的流程发生改变，程序的控制权转移到异常处理器。</a:t>
-            </a:r>
-            <a:endParaRPr lang="en-US" altLang="zh-CN" sz="1600">
-              <a:latin typeface="宋体" panose="02010600030101010101" pitchFamily="2" charset="-122"/>
-              <a:ea typeface="宋体" panose="02010600030101010101" pitchFamily="2" charset="-122"/>
-              <a:cs typeface="宋体" panose="02010600030101010101" pitchFamily="2" charset="-122"/>
-            </a:endParaRPr>
-          </a:p>
-          <a:p>
-            <a:endParaRPr lang="en-US" altLang="zh-CN" sz="1600">
-              <a:latin typeface="宋体" panose="02010600030101010101" pitchFamily="2" charset="-122"/>
-              <a:ea typeface="宋体" panose="02010600030101010101" pitchFamily="2" charset="-122"/>
-              <a:cs typeface="宋体" panose="02010600030101010101" pitchFamily="2" charset="-122"/>
-            </a:endParaRPr>
-          </a:p>
-          <a:p>
-            <a:r>
-              <a:rPr lang="en-US" altLang="zh-CN" sz="1600">
-                <a:latin typeface="宋体" panose="02010600030101010101" pitchFamily="2" charset="-122"/>
-                <a:ea typeface="宋体" panose="02010600030101010101" pitchFamily="2" charset="-122"/>
-                <a:cs typeface="宋体" panose="02010600030101010101" pitchFamily="2" charset="-122"/>
-              </a:rPr>
-              <a:t>程序错误分为三种：1.编译错误；2.运行时错误；3.逻辑错误。</a:t>
-            </a:r>
-            <a:endParaRPr lang="en-US" altLang="zh-CN" sz="1600">
-              <a:latin typeface="宋体" panose="02010600030101010101" pitchFamily="2" charset="-122"/>
-              <a:ea typeface="宋体" panose="02010600030101010101" pitchFamily="2" charset="-122"/>
-              <a:cs typeface="宋体" panose="02010600030101010101" pitchFamily="2" charset="-122"/>
-            </a:endParaRPr>
-          </a:p>
-          <a:p>
-            <a:r>
-              <a:rPr lang="en-US" altLang="zh-CN" sz="1600">
-                <a:latin typeface="宋体" panose="02010600030101010101" pitchFamily="2" charset="-122"/>
-                <a:ea typeface="宋体" panose="02010600030101010101" pitchFamily="2" charset="-122"/>
-                <a:cs typeface="宋体" panose="02010600030101010101" pitchFamily="2" charset="-122"/>
-              </a:rPr>
-              <a:t>（1）编译错误是因为程序没有遵循语法规则，编译程序能够自己发现并且提示我们错误的原因和位置，这个也是大家在刚接触编程语言最常遇到的问题。</a:t>
-            </a:r>
-            <a:endParaRPr lang="en-US" altLang="zh-CN" sz="1600">
-              <a:latin typeface="宋体" panose="02010600030101010101" pitchFamily="2" charset="-122"/>
-              <a:ea typeface="宋体" panose="02010600030101010101" pitchFamily="2" charset="-122"/>
-              <a:cs typeface="宋体" panose="02010600030101010101" pitchFamily="2" charset="-122"/>
-            </a:endParaRPr>
-          </a:p>
-          <a:p>
-            <a:r>
-              <a:rPr lang="en-US" altLang="zh-CN" sz="1600">
-                <a:latin typeface="宋体" panose="02010600030101010101" pitchFamily="2" charset="-122"/>
-                <a:ea typeface="宋体" panose="02010600030101010101" pitchFamily="2" charset="-122"/>
-                <a:cs typeface="宋体" panose="02010600030101010101" pitchFamily="2" charset="-122"/>
-              </a:rPr>
-              <a:t>（2）运行时错误是因为程序在执行时，运行环境发现了不能执行的操作。</a:t>
-            </a:r>
-            <a:endParaRPr lang="en-US" altLang="zh-CN" sz="1600">
-              <a:latin typeface="宋体" panose="02010600030101010101" pitchFamily="2" charset="-122"/>
-              <a:ea typeface="宋体" panose="02010600030101010101" pitchFamily="2" charset="-122"/>
-              <a:cs typeface="宋体" panose="02010600030101010101" pitchFamily="2" charset="-122"/>
-            </a:endParaRPr>
-          </a:p>
-          <a:p>
-            <a:r>
-              <a:rPr lang="en-US" altLang="zh-CN" sz="1600">
-                <a:latin typeface="宋体" panose="02010600030101010101" pitchFamily="2" charset="-122"/>
-                <a:ea typeface="宋体" panose="02010600030101010101" pitchFamily="2" charset="-122"/>
-                <a:cs typeface="宋体" panose="02010600030101010101" pitchFamily="2" charset="-122"/>
-              </a:rPr>
-              <a:t>（3）逻辑错误是因为程序没有按照预期的逻辑顺序执行。异常也就是指程序运行时发生错误，而异常处理就是对这些错误进行处理和控制。</a:t>
-            </a:r>
-            <a:endParaRPr lang="en-US" altLang="zh-CN" sz="1600">
-              <a:latin typeface="宋体" panose="02010600030101010101" pitchFamily="2" charset="-122"/>
-              <a:ea typeface="宋体" panose="02010600030101010101" pitchFamily="2" charset="-122"/>
-              <a:cs typeface="宋体" panose="02010600030101010101" pitchFamily="2" charset="-122"/>
-            </a:endParaRPr>
-          </a:p>
-          <a:p>
-            <a:endParaRPr lang="en-US" altLang="zh-CN" sz="1600">
-              <a:latin typeface="宋体" panose="02010600030101010101" pitchFamily="2" charset="-122"/>
-              <a:ea typeface="宋体" panose="02010600030101010101" pitchFamily="2" charset="-122"/>
-              <a:cs typeface="宋体" panose="02010600030101010101" pitchFamily="2" charset="-122"/>
-            </a:endParaRPr>
-          </a:p>
-          <a:p>
-            <a:endParaRPr lang="en-US" altLang="zh-CN" sz="1600">
-              <a:latin typeface="宋体" panose="02010600030101010101" pitchFamily="2" charset="-122"/>
-              <a:ea typeface="宋体" panose="02010600030101010101" pitchFamily="2" charset="-122"/>
-              <a:cs typeface="宋体" panose="02010600030101010101" pitchFamily="2" charset="-122"/>
-            </a:endParaRPr>
-          </a:p>
-          <a:p>
-            <a:r>
-              <a:rPr lang="en-US" altLang="zh-CN" sz="1600">
-                <a:latin typeface="宋体" panose="02010600030101010101" pitchFamily="2" charset="-122"/>
-                <a:ea typeface="宋体" panose="02010600030101010101" pitchFamily="2" charset="-122"/>
-                <a:cs typeface="宋体" panose="02010600030101010101" pitchFamily="2" charset="-122"/>
-              </a:rPr>
-              <a:t>在 Java 中，所有的异常都有一个共同的祖先 Throwable（可抛出）。Throwable 指定代码中可用异常传播机制通过 Java 应用程序传输的任何问题的共性。</a:t>
-            </a:r>
-            <a:endParaRPr lang="en-US" altLang="zh-CN" sz="1600">
-              <a:latin typeface="宋体" panose="02010600030101010101" pitchFamily="2" charset="-122"/>
-              <a:ea typeface="宋体" panose="02010600030101010101" pitchFamily="2" charset="-122"/>
-              <a:cs typeface="宋体" panose="02010600030101010101" pitchFamily="2" charset="-122"/>
-            </a:endParaRPr>
-          </a:p>
-          <a:p>
-            <a:endParaRPr lang="en-US" altLang="zh-CN" sz="1600">
-              <a:latin typeface="宋体" panose="02010600030101010101" pitchFamily="2" charset="-122"/>
-              <a:ea typeface="宋体" panose="02010600030101010101" pitchFamily="2" charset="-122"/>
-              <a:cs typeface="宋体" panose="02010600030101010101" pitchFamily="2" charset="-122"/>
-            </a:endParaRPr>
-          </a:p>
-          <a:p>
-            <a:r>
-              <a:rPr lang="en-US" altLang="zh-CN" sz="1600">
-                <a:latin typeface="宋体" panose="02010600030101010101" pitchFamily="2" charset="-122"/>
-                <a:ea typeface="宋体" panose="02010600030101010101" pitchFamily="2" charset="-122"/>
-                <a:cs typeface="宋体" panose="02010600030101010101" pitchFamily="2" charset="-122"/>
-              </a:rPr>
-              <a:t>Throwable： 有两个重要的子类：Exception（异常）和 Error（错误），二者都是 Java 异常处理的重要子类，各自都包含大量子类。异常和错误的区别是：</a:t>
-            </a:r>
-            <a:r>
-              <a:rPr lang="en-US" altLang="zh-CN" sz="1600">
-                <a:solidFill>
-                  <a:srgbClr val="FF0000"/>
-                </a:solidFill>
-                <a:latin typeface="宋体" panose="02010600030101010101" pitchFamily="2" charset="-122"/>
-                <a:ea typeface="宋体" panose="02010600030101010101" pitchFamily="2" charset="-122"/>
-                <a:cs typeface="宋体" panose="02010600030101010101" pitchFamily="2" charset="-122"/>
-              </a:rPr>
-              <a:t>异常能被程序本身可以处理，错误是无法处理</a:t>
-            </a:r>
-            <a:r>
-              <a:rPr lang="en-US" altLang="zh-CN" sz="1600">
-                <a:latin typeface="宋体" panose="02010600030101010101" pitchFamily="2" charset="-122"/>
-                <a:ea typeface="宋体" panose="02010600030101010101" pitchFamily="2" charset="-122"/>
-                <a:cs typeface="宋体" panose="02010600030101010101" pitchFamily="2" charset="-122"/>
-              </a:rPr>
-              <a:t>。</a:t>
-            </a:r>
-            <a:endParaRPr lang="en-US" altLang="zh-CN" sz="1600">
-              <a:latin typeface="宋体" panose="02010600030101010101" pitchFamily="2" charset="-122"/>
-              <a:ea typeface="宋体" panose="02010600030101010101" pitchFamily="2" charset="-122"/>
-              <a:cs typeface="宋体" panose="02010600030101010101" pitchFamily="2" charset="-122"/>
-            </a:endParaRPr>
-          </a:p>
-          <a:p>
-            <a:r>
-              <a:rPr lang="en-US" altLang="zh-CN" sz="1600">
-                <a:latin typeface="宋体" panose="02010600030101010101" pitchFamily="2" charset="-122"/>
-                <a:ea typeface="宋体" panose="02010600030101010101" pitchFamily="2" charset="-122"/>
-                <a:cs typeface="宋体" panose="02010600030101010101" pitchFamily="2" charset="-122"/>
-              </a:rPr>
-              <a:t> </a:t>
-            </a:r>
-            <a:endParaRPr lang="en-US" altLang="zh-CN" sz="1600">
-              <a:latin typeface="宋体" panose="02010600030101010101" pitchFamily="2" charset="-122"/>
-              <a:ea typeface="宋体" panose="02010600030101010101" pitchFamily="2" charset="-122"/>
-              <a:cs typeface="宋体" panose="02010600030101010101" pitchFamily="2" charset="-122"/>
-            </a:endParaRPr>
-          </a:p>
-        </p:txBody>
-      </p:sp>
-    </p:spTree>
-    <p:custDataLst>
-      <p:tags r:id="rId2"/>
-    </p:custDataLst>
-  </p:cSld>
-  <p:clrMapOvr>
-    <a:masterClrMapping/>
-  </p:clrMapOvr>
-</p:sld>
-</file>
-
-<file path=ppt/slides/slide3.xml><?xml version="1.0" encoding="utf-8"?>
-<p:sld xmlns:a="http://schemas.openxmlformats.org/drawingml/2006/main" xmlns:r="http://schemas.openxmlformats.org/officeDocument/2006/relationships" xmlns:p="http://schemas.openxmlformats.org/presentationml/2006/main">
-  <p:cSld>
-    <p:bg>
-      <p:bgPr>
-        <a:blipFill rotWithShape="1">
-          <a:blip r:embed="rId1"/>
-          <a:stretch>
-            <a:fillRect/>
-          </a:stretch>
-        </a:blipFill>
-        <a:effectLst/>
-      </p:bgPr>
-    </p:bg>
-    <p:spTree>
-      <p:nvGrpSpPr>
-        <p:cNvPr id="1" name=""/>
-        <p:cNvGrpSpPr/>
-        <p:nvPr/>
-      </p:nvGrpSpPr>
-      <p:grpSpPr/>
-      <p:pic>
-        <p:nvPicPr>
-          <p:cNvPr id="4" name="图片 3"/>
-          <p:cNvPicPr>
-            <a:picLocks noChangeAspect="1"/>
-          </p:cNvPicPr>
-          <p:nvPr/>
-        </p:nvPicPr>
-        <p:blipFill>
-          <a:blip r:embed="rId2"/>
-          <a:stretch>
-            <a:fillRect/>
-          </a:stretch>
-        </p:blipFill>
-        <p:spPr>
-          <a:xfrm>
-            <a:off x="1595755" y="1178560"/>
-            <a:ext cx="8562340" cy="4281805"/>
-          </a:xfrm>
-          <a:prstGeom prst="rect">
-            <a:avLst/>
-          </a:prstGeom>
-        </p:spPr>
-      </p:pic>
-    </p:spTree>
-    <p:custDataLst>
-      <p:tags r:id="rId3"/>
-    </p:custDataLst>
-  </p:cSld>
-  <p:clrMapOvr>
-    <a:masterClrMapping/>
-  </p:clrMapOvr>
-</p:sld>
-</file>
-
-<file path=ppt/slides/slide4.xml><?xml version="1.0" encoding="utf-8"?>
-<p:sld xmlns:a="http://schemas.openxmlformats.org/drawingml/2006/main" xmlns:r="http://schemas.openxmlformats.org/officeDocument/2006/relationships" xmlns:p="http://schemas.openxmlformats.org/presentationml/2006/main">
-  <p:cSld>
-    <p:bg>
-      <p:bgPr>
-        <a:blipFill rotWithShape="1">
-          <a:blip r:embed="rId1"/>
-          <a:stretch>
-            <a:fillRect/>
-          </a:stretch>
-        </a:blipFill>
-        <a:effectLst/>
-      </p:bgPr>
-    </p:bg>
-    <p:spTree>
-      <p:nvGrpSpPr>
-        <p:cNvPr id="1" name=""/>
-        <p:cNvGrpSpPr/>
-        <p:nvPr/>
-      </p:nvGrpSpPr>
-      <p:grpSpPr/>
-      <p:sp>
-        <p:nvSpPr>
-          <p:cNvPr id="3" name="文本框 2"/>
-          <p:cNvSpPr txBox="1"/>
-          <p:nvPr/>
-        </p:nvSpPr>
-        <p:spPr>
-          <a:xfrm>
-            <a:off x="237490" y="864870"/>
-            <a:ext cx="11894185" cy="5262245"/>
-          </a:xfrm>
-          <a:prstGeom prst="rect">
-            <a:avLst/>
-          </a:prstGeom>
-          <a:noFill/>
-        </p:spPr>
-        <p:txBody>
-          <a:bodyPr wrap="square" rtlCol="0">
-            <a:spAutoFit/>
-          </a:bodyPr>
-          <a:p>
-            <a:r>
-              <a:rPr lang="en-US" altLang="zh-CN" sz="1600">
-                <a:latin typeface="宋体" panose="02010600030101010101" pitchFamily="2" charset="-122"/>
-                <a:ea typeface="宋体" panose="02010600030101010101" pitchFamily="2" charset="-122"/>
-                <a:cs typeface="宋体" panose="02010600030101010101" pitchFamily="2" charset="-122"/>
-              </a:rPr>
-              <a:t>Error（错误）:是程序无法处理的错误，表示运行应用程序中较严重问题。大多数错误与代码编写者执行的操作无关，而表示代码运行时 JVM（Java 虚拟机）出现的问题。例如，Java虚拟机运行错误（Virtual MachineError），当 JVM 不再有继续执行操作所需的内存资源时，将出现 OutOfMemoryError。这些异常发生时，Java虚拟机（JVM）一般会选择线程终止。这些错误表示故障发生于虚拟机自身、或者发生在虚拟机试图执行应用时，如Java虚拟机运行错误（Virtual MachineError）、类定义错误（NoClassDefFoundError）等。这些错误是不可查的，因为它们在应用程序的控制和处理能力之 外，而且绝大多数是程序运行时不允许出现的状况。对于设计合理的应用程序来说，即使确实发生了错误，本质上也不应该试图去处理它所引起的异常状况。在 Java中，错误通过Error的子类描述。</a:t>
-            </a:r>
-            <a:endParaRPr lang="en-US" altLang="zh-CN" sz="1600">
-              <a:latin typeface="宋体" panose="02010600030101010101" pitchFamily="2" charset="-122"/>
-              <a:ea typeface="宋体" panose="02010600030101010101" pitchFamily="2" charset="-122"/>
-              <a:cs typeface="宋体" panose="02010600030101010101" pitchFamily="2" charset="-122"/>
-            </a:endParaRPr>
-          </a:p>
-          <a:p>
-            <a:endParaRPr lang="en-US" altLang="zh-CN" sz="1600">
-              <a:latin typeface="宋体" panose="02010600030101010101" pitchFamily="2" charset="-122"/>
-              <a:ea typeface="宋体" panose="02010600030101010101" pitchFamily="2" charset="-122"/>
-              <a:cs typeface="宋体" panose="02010600030101010101" pitchFamily="2" charset="-122"/>
-            </a:endParaRPr>
-          </a:p>
-          <a:p>
-            <a:r>
-              <a:rPr lang="en-US" altLang="zh-CN" sz="1600">
-                <a:latin typeface="宋体" panose="02010600030101010101" pitchFamily="2" charset="-122"/>
-                <a:ea typeface="宋体" panose="02010600030101010101" pitchFamily="2" charset="-122"/>
-                <a:cs typeface="宋体" panose="02010600030101010101" pitchFamily="2" charset="-122"/>
-              </a:rPr>
-              <a:t>Exception（异常）:是程序本身可以处理的异常。Exception 类有一个重要的子类 RuntimeException。RuntimeException 类及其子类表示“JVM 常用操作”引发的错误。例如，若试图使用空值对象引用、除数为零或数组越界，则分别引发运行时异常（NullPointerException、ArithmeticException）和 ArrayIndexOutOfBoundException。</a:t>
-            </a:r>
-            <a:endParaRPr lang="en-US" altLang="zh-CN" sz="1600">
-              <a:latin typeface="宋体" panose="02010600030101010101" pitchFamily="2" charset="-122"/>
-              <a:ea typeface="宋体" panose="02010600030101010101" pitchFamily="2" charset="-122"/>
-              <a:cs typeface="宋体" panose="02010600030101010101" pitchFamily="2" charset="-122"/>
-            </a:endParaRPr>
-          </a:p>
-          <a:p>
-            <a:endParaRPr lang="en-US" altLang="zh-CN" sz="1600">
-              <a:latin typeface="宋体" panose="02010600030101010101" pitchFamily="2" charset="-122"/>
-              <a:ea typeface="宋体" panose="02010600030101010101" pitchFamily="2" charset="-122"/>
-              <a:cs typeface="宋体" panose="02010600030101010101" pitchFamily="2" charset="-122"/>
-            </a:endParaRPr>
-          </a:p>
-          <a:p>
-            <a:endParaRPr lang="en-US" altLang="zh-CN" sz="1600">
-              <a:latin typeface="宋体" panose="02010600030101010101" pitchFamily="2" charset="-122"/>
-              <a:ea typeface="宋体" panose="02010600030101010101" pitchFamily="2" charset="-122"/>
-              <a:cs typeface="宋体" panose="02010600030101010101" pitchFamily="2" charset="-122"/>
-            </a:endParaRPr>
-          </a:p>
-          <a:p>
-            <a:r>
-              <a:rPr lang="en-US" altLang="zh-CN" sz="1600">
-                <a:latin typeface="宋体" panose="02010600030101010101" pitchFamily="2" charset="-122"/>
-                <a:ea typeface="宋体" panose="02010600030101010101" pitchFamily="2" charset="-122"/>
-                <a:cs typeface="宋体" panose="02010600030101010101" pitchFamily="2" charset="-122"/>
-              </a:rPr>
-              <a:t>Exception（异常）分两大类：运行时异常和非运行时异常(编译异常)。程序中应当尽可能去处理这些异常。</a:t>
-            </a:r>
-            <a:endParaRPr lang="en-US" altLang="zh-CN" sz="1600">
-              <a:latin typeface="宋体" panose="02010600030101010101" pitchFamily="2" charset="-122"/>
-              <a:ea typeface="宋体" panose="02010600030101010101" pitchFamily="2" charset="-122"/>
-              <a:cs typeface="宋体" panose="02010600030101010101" pitchFamily="2" charset="-122"/>
-            </a:endParaRPr>
-          </a:p>
-          <a:p>
-            <a:endParaRPr lang="en-US" altLang="zh-CN" sz="1600">
-              <a:latin typeface="宋体" panose="02010600030101010101" pitchFamily="2" charset="-122"/>
-              <a:ea typeface="宋体" panose="02010600030101010101" pitchFamily="2" charset="-122"/>
-              <a:cs typeface="宋体" panose="02010600030101010101" pitchFamily="2" charset="-122"/>
-            </a:endParaRPr>
-          </a:p>
-          <a:p>
-            <a:r>
-              <a:rPr lang="en-US" altLang="zh-CN" sz="1600">
-                <a:latin typeface="宋体" panose="02010600030101010101" pitchFamily="2" charset="-122"/>
-                <a:ea typeface="宋体" panose="02010600030101010101" pitchFamily="2" charset="-122"/>
-                <a:cs typeface="宋体" panose="02010600030101010101" pitchFamily="2" charset="-122"/>
-              </a:rPr>
-              <a:t> 1.运行时异常：都是RuntimeException类及其子类异常，如NullPointerException(空指针异常)、IndexOutOfBoundsException(下标越界异常)等，</a:t>
-            </a:r>
-            <a:r>
-              <a:rPr lang="en-US" altLang="zh-CN" sz="1600">
-                <a:solidFill>
-                  <a:srgbClr val="FF0000"/>
-                </a:solidFill>
-                <a:latin typeface="宋体" panose="02010600030101010101" pitchFamily="2" charset="-122"/>
-                <a:ea typeface="宋体" panose="02010600030101010101" pitchFamily="2" charset="-122"/>
-                <a:cs typeface="宋体" panose="02010600030101010101" pitchFamily="2" charset="-122"/>
-              </a:rPr>
-              <a:t>这些异常是不检查异常，程序中可以选择捕获处理，也可以不处理</a:t>
-            </a:r>
-            <a:r>
-              <a:rPr lang="en-US" altLang="zh-CN" sz="1600">
-                <a:latin typeface="宋体" panose="02010600030101010101" pitchFamily="2" charset="-122"/>
-                <a:ea typeface="宋体" panose="02010600030101010101" pitchFamily="2" charset="-122"/>
-                <a:cs typeface="宋体" panose="02010600030101010101" pitchFamily="2" charset="-122"/>
-              </a:rPr>
-              <a:t>。这些异常一般是由程序逻辑错误引起的，程序应该从逻辑角度尽可能避免这类异常的发生。运行时异常的特点是Java编译器不会检查它，也就是说，当程序中可能出现这类异常，即使没有用try-catch语句捕获它，也没有用throws子句声明抛出它，也会编译通过。</a:t>
-            </a:r>
-            <a:endParaRPr lang="en-US" altLang="zh-CN" sz="1600">
-              <a:latin typeface="宋体" panose="02010600030101010101" pitchFamily="2" charset="-122"/>
-              <a:ea typeface="宋体" panose="02010600030101010101" pitchFamily="2" charset="-122"/>
-              <a:cs typeface="宋体" panose="02010600030101010101" pitchFamily="2" charset="-122"/>
-            </a:endParaRPr>
-          </a:p>
-          <a:p>
-            <a:r>
-              <a:rPr lang="en-US" altLang="zh-CN" sz="1600">
-                <a:latin typeface="宋体" panose="02010600030101010101" pitchFamily="2" charset="-122"/>
-                <a:ea typeface="宋体" panose="02010600030101010101" pitchFamily="2" charset="-122"/>
-                <a:cs typeface="宋体" panose="02010600030101010101" pitchFamily="2" charset="-122"/>
-              </a:rPr>
-              <a:t> 2.非运行时异常 （编译异常）：是RuntimeException以外的异常，类型上都属于Exception类及其子类。</a:t>
-            </a:r>
-            <a:r>
-              <a:rPr lang="en-US" altLang="zh-CN" sz="1600">
-                <a:solidFill>
-                  <a:srgbClr val="FF0000"/>
-                </a:solidFill>
-                <a:latin typeface="宋体" panose="02010600030101010101" pitchFamily="2" charset="-122"/>
-                <a:ea typeface="宋体" panose="02010600030101010101" pitchFamily="2" charset="-122"/>
-                <a:cs typeface="宋体" panose="02010600030101010101" pitchFamily="2" charset="-122"/>
-              </a:rPr>
-              <a:t>从程序语法角度讲是必须进行处理的异常，如果不处理，程序就不能编译通过</a:t>
-            </a:r>
-            <a:r>
-              <a:rPr lang="en-US" altLang="zh-CN" sz="1600">
-                <a:latin typeface="宋体" panose="02010600030101010101" pitchFamily="2" charset="-122"/>
-                <a:ea typeface="宋体" panose="02010600030101010101" pitchFamily="2" charset="-122"/>
-                <a:cs typeface="宋体" panose="02010600030101010101" pitchFamily="2" charset="-122"/>
-              </a:rPr>
-              <a:t>。如IOException、SQLException等以及用户自定义的Exception异常。 </a:t>
-            </a:r>
-            <a:endParaRPr lang="en-US" altLang="zh-CN" sz="1600">
-              <a:latin typeface="宋体" panose="02010600030101010101" pitchFamily="2" charset="-122"/>
-              <a:ea typeface="宋体" panose="02010600030101010101" pitchFamily="2" charset="-122"/>
-              <a:cs typeface="宋体" panose="02010600030101010101" pitchFamily="2" charset="-122"/>
-            </a:endParaRPr>
-          </a:p>
-        </p:txBody>
-      </p:sp>
-    </p:spTree>
-    <p:custDataLst>
-      <p:tags r:id="rId2"/>
-    </p:custDataLst>
-  </p:cSld>
-  <p:clrMapOvr>
-    <a:masterClrMapping/>
-  </p:clrMapOvr>
-</p:sld>
-</file>
-
-<file path=ppt/slides/slide5.xml><?xml version="1.0" encoding="utf-8"?>
-<p:sld xmlns:a="http://schemas.openxmlformats.org/drawingml/2006/main" xmlns:r="http://schemas.openxmlformats.org/officeDocument/2006/relationships" xmlns:p="http://schemas.openxmlformats.org/presentationml/2006/main">
-  <p:cSld>
-    <p:bg>
-      <p:bgPr>
-        <a:blipFill rotWithShape="1">
-          <a:blip r:embed="rId1"/>
-          <a:stretch>
-            <a:fillRect/>
-          </a:stretch>
-        </a:blipFill>
-        <a:effectLst/>
-      </p:bgPr>
-    </p:bg>
-    <p:spTree>
-      <p:nvGrpSpPr>
-        <p:cNvPr id="1" name=""/>
-        <p:cNvGrpSpPr/>
-        <p:nvPr/>
-      </p:nvGrpSpPr>
-      <p:grpSpPr/>
-      <p:sp>
-        <p:nvSpPr>
-          <p:cNvPr id="3" name="文本框 2"/>
-          <p:cNvSpPr txBox="1"/>
-          <p:nvPr/>
-        </p:nvSpPr>
-        <p:spPr>
-          <a:xfrm>
-            <a:off x="237490" y="864870"/>
-            <a:ext cx="11894185" cy="5262245"/>
-          </a:xfrm>
-          <a:prstGeom prst="rect">
-            <a:avLst/>
-          </a:prstGeom>
-          <a:noFill/>
-        </p:spPr>
-        <p:txBody>
-          <a:bodyPr wrap="square" rtlCol="0">
-            <a:spAutoFit/>
-          </a:bodyPr>
-          <a:p>
-            <a:r>
-              <a:rPr lang="en-US" altLang="zh-CN" sz="1600">
-                <a:latin typeface="宋体" panose="02010600030101010101" pitchFamily="2" charset="-122"/>
-                <a:ea typeface="宋体" panose="02010600030101010101" pitchFamily="2" charset="-122"/>
-                <a:cs typeface="宋体" panose="02010600030101010101" pitchFamily="2" charset="-122"/>
-              </a:rPr>
-              <a:t>1. </a:t>
-            </a:r>
-            <a:r>
-              <a:rPr lang="zh-CN" altLang="en-US" sz="1600">
-                <a:latin typeface="宋体" panose="02010600030101010101" pitchFamily="2" charset="-122"/>
-                <a:ea typeface="宋体" panose="02010600030101010101" pitchFamily="2" charset="-122"/>
-                <a:cs typeface="宋体" panose="02010600030101010101" pitchFamily="2" charset="-122"/>
-              </a:rPr>
-              <a:t>检查</a:t>
-            </a:r>
-            <a:r>
-              <a:rPr lang="en-US" altLang="zh-CN" sz="1600">
-                <a:latin typeface="宋体" panose="02010600030101010101" pitchFamily="2" charset="-122"/>
-                <a:ea typeface="宋体" panose="02010600030101010101" pitchFamily="2" charset="-122"/>
-                <a:cs typeface="宋体" panose="02010600030101010101" pitchFamily="2" charset="-122"/>
-              </a:rPr>
-              <a:t>异常（编译器要求必须处置的异常）：正确的程序在运行中，很容易出现的、情理可容的异常状况。</a:t>
-            </a:r>
-            <a:r>
-              <a:rPr lang="en-US" altLang="zh-CN" sz="1600">
-                <a:solidFill>
-                  <a:srgbClr val="FF0000"/>
-                </a:solidFill>
-                <a:latin typeface="宋体" panose="02010600030101010101" pitchFamily="2" charset="-122"/>
-                <a:ea typeface="宋体" panose="02010600030101010101" pitchFamily="2" charset="-122"/>
-                <a:cs typeface="宋体" panose="02010600030101010101" pitchFamily="2" charset="-122"/>
-              </a:rPr>
-              <a:t>除了Exception中的RuntimeException及RuntimeException的子类以外</a:t>
-            </a:r>
-            <a:r>
-              <a:rPr lang="en-US" altLang="zh-CN" sz="1600">
-                <a:latin typeface="宋体" panose="02010600030101010101" pitchFamily="2" charset="-122"/>
-                <a:ea typeface="宋体" panose="02010600030101010101" pitchFamily="2" charset="-122"/>
-                <a:cs typeface="宋体" panose="02010600030101010101" pitchFamily="2" charset="-122"/>
-              </a:rPr>
-              <a:t>，其他的Exception类及其子类(例如：IOException和ClassNotFoundException)都属于可查异常。这种异常的特点是Java编译器会检查它，也就是说，当程序中可能出现这类异常，要么用try-catch语句捕获它，要么用throws子句声明抛出它，否则编译不会通过。</a:t>
-            </a:r>
-            <a:endParaRPr lang="en-US" altLang="zh-CN" sz="1600">
-              <a:latin typeface="宋体" panose="02010600030101010101" pitchFamily="2" charset="-122"/>
-              <a:ea typeface="宋体" panose="02010600030101010101" pitchFamily="2" charset="-122"/>
-              <a:cs typeface="宋体" panose="02010600030101010101" pitchFamily="2" charset="-122"/>
-            </a:endParaRPr>
-          </a:p>
-          <a:p>
-            <a:r>
-              <a:rPr lang="en-US" altLang="zh-CN" sz="1600">
-                <a:latin typeface="宋体" panose="02010600030101010101" pitchFamily="2" charset="-122"/>
-                <a:ea typeface="宋体" panose="02010600030101010101" pitchFamily="2" charset="-122"/>
-                <a:cs typeface="宋体" panose="02010600030101010101" pitchFamily="2" charset="-122"/>
-              </a:rPr>
-              <a:t>2. </a:t>
-            </a:r>
-            <a:r>
-              <a:rPr lang="zh-CN" altLang="en-US" sz="1600">
-                <a:latin typeface="宋体" panose="02010600030101010101" pitchFamily="2" charset="-122"/>
-                <a:ea typeface="宋体" panose="02010600030101010101" pitchFamily="2" charset="-122"/>
-                <a:cs typeface="宋体" panose="02010600030101010101" pitchFamily="2" charset="-122"/>
-              </a:rPr>
-              <a:t>非检查</a:t>
-            </a:r>
-            <a:r>
-              <a:rPr lang="en-US" altLang="zh-CN" sz="1600">
-                <a:latin typeface="宋体" panose="02010600030101010101" pitchFamily="2" charset="-122"/>
-                <a:ea typeface="宋体" panose="02010600030101010101" pitchFamily="2" charset="-122"/>
-                <a:cs typeface="宋体" panose="02010600030101010101" pitchFamily="2" charset="-122"/>
-              </a:rPr>
-              <a:t>异常(编译器不要求强制处置的异常):</a:t>
-            </a:r>
-            <a:r>
-              <a:rPr lang="en-US" altLang="zh-CN" sz="1600">
-                <a:solidFill>
-                  <a:srgbClr val="FF0000"/>
-                </a:solidFill>
-                <a:latin typeface="宋体" panose="02010600030101010101" pitchFamily="2" charset="-122"/>
-                <a:ea typeface="宋体" panose="02010600030101010101" pitchFamily="2" charset="-122"/>
-                <a:cs typeface="宋体" panose="02010600030101010101" pitchFamily="2" charset="-122"/>
-              </a:rPr>
-              <a:t>包括运行时异常（RuntimeException与其子类）和错误（Error）</a:t>
-            </a:r>
-            <a:r>
-              <a:rPr lang="en-US" altLang="zh-CN" sz="1600">
-                <a:latin typeface="宋体" panose="02010600030101010101" pitchFamily="2" charset="-122"/>
-                <a:ea typeface="宋体" panose="02010600030101010101" pitchFamily="2" charset="-122"/>
-                <a:cs typeface="宋体" panose="02010600030101010101" pitchFamily="2" charset="-122"/>
-              </a:rPr>
-              <a:t>。RuntimeException表示编译器不会检查程序是否对RuntimeException作了处理，在程序中不必捕获RuntimException类型的异常，也不必在方法体声明抛出RuntimeException类。RuntimeException发生的时候，表示程序中出现了编程错误，所以应该找出错误修改程序，而不是去捕获RuntimeException。</a:t>
-            </a:r>
-            <a:endParaRPr lang="en-US" altLang="zh-CN" sz="1600">
-              <a:latin typeface="宋体" panose="02010600030101010101" pitchFamily="2" charset="-122"/>
-              <a:ea typeface="宋体" panose="02010600030101010101" pitchFamily="2" charset="-122"/>
-              <a:cs typeface="宋体" panose="02010600030101010101" pitchFamily="2" charset="-122"/>
-            </a:endParaRPr>
-          </a:p>
-          <a:p>
-            <a:endParaRPr lang="en-US" altLang="zh-CN" sz="1600">
-              <a:latin typeface="宋体" panose="02010600030101010101" pitchFamily="2" charset="-122"/>
-              <a:ea typeface="宋体" panose="02010600030101010101" pitchFamily="2" charset="-122"/>
-              <a:cs typeface="宋体" panose="02010600030101010101" pitchFamily="2" charset="-122"/>
-            </a:endParaRPr>
-          </a:p>
-          <a:p>
-            <a:r>
-              <a:rPr lang="en-US" altLang="zh-CN" sz="1600">
-                <a:latin typeface="宋体" panose="02010600030101010101" pitchFamily="2" charset="-122"/>
-                <a:ea typeface="宋体" panose="02010600030101010101" pitchFamily="2" charset="-122"/>
-                <a:cs typeface="宋体" panose="02010600030101010101" pitchFamily="2" charset="-122"/>
-              </a:rPr>
-              <a:t>异常处理的机制</a:t>
-            </a:r>
-            <a:endParaRPr lang="en-US" altLang="zh-CN" sz="1600">
-              <a:latin typeface="宋体" panose="02010600030101010101" pitchFamily="2" charset="-122"/>
-              <a:ea typeface="宋体" panose="02010600030101010101" pitchFamily="2" charset="-122"/>
-              <a:cs typeface="宋体" panose="02010600030101010101" pitchFamily="2" charset="-122"/>
-            </a:endParaRPr>
-          </a:p>
-          <a:p>
-            <a:r>
-              <a:rPr lang="en-US" altLang="zh-CN" sz="1600">
-                <a:latin typeface="宋体" panose="02010600030101010101" pitchFamily="2" charset="-122"/>
-                <a:ea typeface="宋体" panose="02010600030101010101" pitchFamily="2" charset="-122"/>
-                <a:cs typeface="宋体" panose="02010600030101010101" pitchFamily="2" charset="-122"/>
-              </a:rPr>
-              <a:t>在 Java 应用程序中，异常处理机制为：</a:t>
-            </a:r>
-            <a:r>
-              <a:rPr lang="en-US" altLang="zh-CN" sz="1600">
-                <a:solidFill>
-                  <a:srgbClr val="FF0000"/>
-                </a:solidFill>
-                <a:latin typeface="宋体" panose="02010600030101010101" pitchFamily="2" charset="-122"/>
-                <a:ea typeface="宋体" panose="02010600030101010101" pitchFamily="2" charset="-122"/>
-                <a:cs typeface="宋体" panose="02010600030101010101" pitchFamily="2" charset="-122"/>
-              </a:rPr>
-              <a:t>抛出异常，捕捉异常</a:t>
-            </a:r>
-            <a:r>
-              <a:rPr lang="en-US" altLang="zh-CN" sz="1600">
-                <a:latin typeface="宋体" panose="02010600030101010101" pitchFamily="2" charset="-122"/>
-                <a:ea typeface="宋体" panose="02010600030101010101" pitchFamily="2" charset="-122"/>
-                <a:cs typeface="宋体" panose="02010600030101010101" pitchFamily="2" charset="-122"/>
-              </a:rPr>
-              <a:t>。</a:t>
-            </a:r>
-            <a:endParaRPr lang="en-US" altLang="zh-CN" sz="1600">
-              <a:latin typeface="宋体" panose="02010600030101010101" pitchFamily="2" charset="-122"/>
-              <a:ea typeface="宋体" panose="02010600030101010101" pitchFamily="2" charset="-122"/>
-              <a:cs typeface="宋体" panose="02010600030101010101" pitchFamily="2" charset="-122"/>
-            </a:endParaRPr>
-          </a:p>
-          <a:p>
-            <a:r>
-              <a:rPr lang="en-US" altLang="zh-CN" sz="1600">
-                <a:latin typeface="宋体" panose="02010600030101010101" pitchFamily="2" charset="-122"/>
-                <a:ea typeface="宋体" panose="02010600030101010101" pitchFamily="2" charset="-122"/>
-                <a:cs typeface="宋体" panose="02010600030101010101" pitchFamily="2" charset="-122"/>
-              </a:rPr>
-              <a:t>1. 抛出异常：当一个方法出现错误引发异常时，方法创建异常对象并交付运行时系统，异常对象中包含了异常类型和异常出现时的程序状态等异常信息。运行时系统负责寻找处置异常的代码并执行。详细信息请查看《简述throw-throws异常抛出》。</a:t>
-            </a:r>
-            <a:endParaRPr lang="en-US" altLang="zh-CN" sz="1600">
-              <a:latin typeface="宋体" panose="02010600030101010101" pitchFamily="2" charset="-122"/>
-              <a:ea typeface="宋体" panose="02010600030101010101" pitchFamily="2" charset="-122"/>
-              <a:cs typeface="宋体" panose="02010600030101010101" pitchFamily="2" charset="-122"/>
-            </a:endParaRPr>
-          </a:p>
-          <a:p>
-            <a:r>
-              <a:rPr lang="en-US" altLang="zh-CN" sz="1600">
-                <a:latin typeface="宋体" panose="02010600030101010101" pitchFamily="2" charset="-122"/>
-                <a:ea typeface="宋体" panose="02010600030101010101" pitchFamily="2" charset="-122"/>
-                <a:cs typeface="宋体" panose="02010600030101010101" pitchFamily="2" charset="-122"/>
-              </a:rPr>
-              <a:t>2. 捕获异常：在方法抛出异常之后，运行时系统将转为寻找合适的异常处理器（exception handler）。潜在的异常处理器是异常发生时依次存留在调用栈中的方法的集合。当异常处理器所能处理的异常类型与方法抛出的异常类型相符时，即为合适 的异常处理器。运行时系统从发生异常的方法开始，依次回查调用栈中的方法，直至找到含有合适异常处理器的方法并执行。当运行时系统遍历调用栈而未找到合适的异常处理器，则运行时系统终止。同时，意味着Java程序的终止。</a:t>
-            </a:r>
-            <a:endParaRPr lang="en-US" altLang="zh-CN" sz="1600">
-              <a:latin typeface="宋体" panose="02010600030101010101" pitchFamily="2" charset="-122"/>
-              <a:ea typeface="宋体" panose="02010600030101010101" pitchFamily="2" charset="-122"/>
-              <a:cs typeface="宋体" panose="02010600030101010101" pitchFamily="2" charset="-122"/>
-            </a:endParaRPr>
-          </a:p>
-          <a:p>
-            <a:endParaRPr lang="en-US" altLang="zh-CN" sz="1600">
-              <a:latin typeface="宋体" panose="02010600030101010101" pitchFamily="2" charset="-122"/>
-              <a:ea typeface="宋体" panose="02010600030101010101" pitchFamily="2" charset="-122"/>
-              <a:cs typeface="宋体" panose="02010600030101010101" pitchFamily="2" charset="-122"/>
-            </a:endParaRPr>
-          </a:p>
-          <a:p>
-            <a:r>
-              <a:rPr lang="en-US" altLang="zh-CN" sz="1600">
-                <a:latin typeface="宋体" panose="02010600030101010101" pitchFamily="2" charset="-122"/>
-                <a:ea typeface="宋体" panose="02010600030101010101" pitchFamily="2" charset="-122"/>
-                <a:cs typeface="宋体" panose="02010600030101010101" pitchFamily="2" charset="-122"/>
-              </a:rPr>
-              <a:t>异常抛出：任何Java代码都可以抛出异常，如：自己编写的代码、来自Java开发环境包中代码，或者Java运行时系统。无论是谁，都可以通过Java的throw语句抛出异常。从方法中抛出的任何异常都必须使用throws子句。</a:t>
-            </a:r>
-            <a:endParaRPr lang="en-US" altLang="zh-CN" sz="1600">
-              <a:latin typeface="宋体" panose="02010600030101010101" pitchFamily="2" charset="-122"/>
-              <a:ea typeface="宋体" panose="02010600030101010101" pitchFamily="2" charset="-122"/>
-              <a:cs typeface="宋体" panose="02010600030101010101" pitchFamily="2" charset="-122"/>
-            </a:endParaRPr>
-          </a:p>
-          <a:p>
-            <a:r>
-              <a:rPr lang="en-US" altLang="zh-CN" sz="1600">
-                <a:latin typeface="宋体" panose="02010600030101010101" pitchFamily="2" charset="-122"/>
-                <a:ea typeface="宋体" panose="02010600030101010101" pitchFamily="2" charset="-122"/>
-                <a:cs typeface="宋体" panose="02010600030101010101" pitchFamily="2" charset="-122"/>
-              </a:rPr>
-              <a:t>异常捕获：捕捉异常通过try-catch语句或者try-catch-finally语句实现。</a:t>
-            </a:r>
-            <a:endParaRPr lang="en-US" altLang="zh-CN" sz="1600">
-              <a:latin typeface="宋体" panose="02010600030101010101" pitchFamily="2" charset="-122"/>
-              <a:ea typeface="宋体" panose="02010600030101010101" pitchFamily="2" charset="-122"/>
-              <a:cs typeface="宋体" panose="02010600030101010101" pitchFamily="2" charset="-122"/>
-            </a:endParaRPr>
-          </a:p>
-        </p:txBody>
-      </p:sp>
-    </p:spTree>
-    <p:custDataLst>
-      <p:tags r:id="rId2"/>
-    </p:custDataLst>
-  </p:cSld>
-  <p:clrMapOvr>
-    <a:masterClrMapping/>
-  </p:clrMapOvr>
-</p:sld>
-</file>
-
-<file path=ppt/slides/slide6.xml><?xml version="1.0" encoding="utf-8"?>
-<p:sld xmlns:a="http://schemas.openxmlformats.org/drawingml/2006/main" xmlns:r="http://schemas.openxmlformats.org/officeDocument/2006/relationships" xmlns:p="http://schemas.openxmlformats.org/presentationml/2006/main">
-  <p:cSld>
-    <p:bg>
-      <p:bgPr>
-        <a:blipFill rotWithShape="1">
-          <a:blip r:embed="rId1"/>
-          <a:stretch>
-            <a:fillRect/>
-          </a:stretch>
-        </a:blipFill>
-        <a:effectLst/>
-      </p:bgPr>
-    </p:bg>
-    <p:spTree>
-      <p:nvGrpSpPr>
-        <p:cNvPr id="1" name=""/>
-        <p:cNvGrpSpPr/>
-        <p:nvPr/>
-      </p:nvGrpSpPr>
-      <p:grpSpPr/>
-      <p:sp>
-        <p:nvSpPr>
-          <p:cNvPr id="3" name="文本框 2"/>
-          <p:cNvSpPr txBox="1"/>
-          <p:nvPr/>
-        </p:nvSpPr>
-        <p:spPr>
-          <a:xfrm>
-            <a:off x="237490" y="864870"/>
-            <a:ext cx="11894185" cy="5754370"/>
-          </a:xfrm>
-          <a:prstGeom prst="rect">
-            <a:avLst/>
-          </a:prstGeom>
-          <a:noFill/>
-        </p:spPr>
-        <p:txBody>
-          <a:bodyPr wrap="square" rtlCol="0">
-            <a:spAutoFit/>
-          </a:bodyPr>
-          <a:p>
-            <a:r>
-              <a:rPr lang="en-US" altLang="zh-CN" sz="1600">
-                <a:latin typeface="宋体" panose="02010600030101010101" pitchFamily="2" charset="-122"/>
-                <a:ea typeface="宋体" panose="02010600030101010101" pitchFamily="2" charset="-122"/>
-                <a:cs typeface="宋体" panose="02010600030101010101" pitchFamily="2" charset="-122"/>
-                <a:sym typeface="+mn-ea"/>
-              </a:rPr>
-              <a:t>异常发生的原因有很多，通常包含以下几大类：</a:t>
-            </a:r>
-            <a:endParaRPr lang="en-US" altLang="zh-CN" sz="1600">
-              <a:latin typeface="宋体" panose="02010600030101010101" pitchFamily="2" charset="-122"/>
-              <a:ea typeface="宋体" panose="02010600030101010101" pitchFamily="2" charset="-122"/>
-              <a:cs typeface="宋体" panose="02010600030101010101" pitchFamily="2" charset="-122"/>
-            </a:endParaRPr>
-          </a:p>
-          <a:p>
-            <a:endParaRPr lang="en-US" altLang="zh-CN" sz="1600">
-              <a:latin typeface="宋体" panose="02010600030101010101" pitchFamily="2" charset="-122"/>
-              <a:ea typeface="宋体" panose="02010600030101010101" pitchFamily="2" charset="-122"/>
-              <a:cs typeface="宋体" panose="02010600030101010101" pitchFamily="2" charset="-122"/>
-            </a:endParaRPr>
-          </a:p>
-          <a:p>
-            <a:r>
-              <a:rPr lang="en-US" altLang="zh-CN" sz="1600">
-                <a:latin typeface="宋体" panose="02010600030101010101" pitchFamily="2" charset="-122"/>
-                <a:ea typeface="宋体" panose="02010600030101010101" pitchFamily="2" charset="-122"/>
-                <a:cs typeface="宋体" panose="02010600030101010101" pitchFamily="2" charset="-122"/>
-                <a:sym typeface="+mn-ea"/>
-              </a:rPr>
-              <a:t>用户输入了非法数据。</a:t>
-            </a:r>
-            <a:endParaRPr lang="en-US" altLang="zh-CN" sz="1600">
-              <a:latin typeface="宋体" panose="02010600030101010101" pitchFamily="2" charset="-122"/>
-              <a:ea typeface="宋体" panose="02010600030101010101" pitchFamily="2" charset="-122"/>
-              <a:cs typeface="宋体" panose="02010600030101010101" pitchFamily="2" charset="-122"/>
-            </a:endParaRPr>
-          </a:p>
-          <a:p>
-            <a:r>
-              <a:rPr lang="en-US" altLang="zh-CN" sz="1600">
-                <a:latin typeface="宋体" panose="02010600030101010101" pitchFamily="2" charset="-122"/>
-                <a:ea typeface="宋体" panose="02010600030101010101" pitchFamily="2" charset="-122"/>
-                <a:cs typeface="宋体" panose="02010600030101010101" pitchFamily="2" charset="-122"/>
-                <a:sym typeface="+mn-ea"/>
-              </a:rPr>
-              <a:t>要打开的文件不存在。</a:t>
-            </a:r>
-            <a:endParaRPr lang="en-US" altLang="zh-CN" sz="1600">
-              <a:latin typeface="宋体" panose="02010600030101010101" pitchFamily="2" charset="-122"/>
-              <a:ea typeface="宋体" panose="02010600030101010101" pitchFamily="2" charset="-122"/>
-              <a:cs typeface="宋体" panose="02010600030101010101" pitchFamily="2" charset="-122"/>
-            </a:endParaRPr>
-          </a:p>
-          <a:p>
-            <a:r>
-              <a:rPr lang="en-US" altLang="zh-CN" sz="1600">
-                <a:latin typeface="宋体" panose="02010600030101010101" pitchFamily="2" charset="-122"/>
-                <a:ea typeface="宋体" panose="02010600030101010101" pitchFamily="2" charset="-122"/>
-                <a:cs typeface="宋体" panose="02010600030101010101" pitchFamily="2" charset="-122"/>
-                <a:sym typeface="+mn-ea"/>
-              </a:rPr>
-              <a:t>网络通信时连接中断，或者JVM内存溢出。</a:t>
-            </a:r>
-            <a:endParaRPr lang="en-US" altLang="zh-CN" sz="1600">
-              <a:latin typeface="宋体" panose="02010600030101010101" pitchFamily="2" charset="-122"/>
-              <a:ea typeface="宋体" panose="02010600030101010101" pitchFamily="2" charset="-122"/>
-              <a:cs typeface="宋体" panose="02010600030101010101" pitchFamily="2" charset="-122"/>
-            </a:endParaRPr>
-          </a:p>
-          <a:p>
-            <a:r>
-              <a:rPr lang="en-US" altLang="zh-CN" sz="1600">
-                <a:latin typeface="宋体" panose="02010600030101010101" pitchFamily="2" charset="-122"/>
-                <a:ea typeface="宋体" panose="02010600030101010101" pitchFamily="2" charset="-122"/>
-                <a:cs typeface="宋体" panose="02010600030101010101" pitchFamily="2" charset="-122"/>
-                <a:sym typeface="+mn-ea"/>
-              </a:rPr>
-              <a:t>这些异常有的是因为用户错误引起，有的是程序错误引起的，还有其它一些是因为物理错误引起的。-</a:t>
-            </a:r>
-            <a:endParaRPr lang="en-US" altLang="zh-CN" sz="1600">
-              <a:latin typeface="宋体" panose="02010600030101010101" pitchFamily="2" charset="-122"/>
-              <a:ea typeface="宋体" panose="02010600030101010101" pitchFamily="2" charset="-122"/>
-              <a:cs typeface="宋体" panose="02010600030101010101" pitchFamily="2" charset="-122"/>
-            </a:endParaRPr>
-          </a:p>
-          <a:p>
-            <a:r>
-              <a:rPr lang="en-US" altLang="zh-CN" sz="1600">
-                <a:latin typeface="宋体" panose="02010600030101010101" pitchFamily="2" charset="-122"/>
-                <a:ea typeface="宋体" panose="02010600030101010101" pitchFamily="2" charset="-122"/>
-                <a:cs typeface="宋体" panose="02010600030101010101" pitchFamily="2" charset="-122"/>
-                <a:sym typeface="+mn-ea"/>
-              </a:rPr>
-              <a:t>要理解Java异常处理是如何工作的，你需要掌握以下三种类型的异常：</a:t>
-            </a:r>
-            <a:endParaRPr lang="en-US" altLang="zh-CN" sz="1600">
-              <a:latin typeface="宋体" panose="02010600030101010101" pitchFamily="2" charset="-122"/>
-              <a:ea typeface="宋体" panose="02010600030101010101" pitchFamily="2" charset="-122"/>
-              <a:cs typeface="宋体" panose="02010600030101010101" pitchFamily="2" charset="-122"/>
-            </a:endParaRPr>
-          </a:p>
-          <a:p>
-            <a:r>
-              <a:rPr lang="en-US" altLang="zh-CN" sz="1600">
-                <a:latin typeface="宋体" panose="02010600030101010101" pitchFamily="2" charset="-122"/>
-                <a:ea typeface="宋体" panose="02010600030101010101" pitchFamily="2" charset="-122"/>
-                <a:cs typeface="宋体" panose="02010600030101010101" pitchFamily="2" charset="-122"/>
-              </a:rPr>
-              <a:t> </a:t>
-            </a:r>
-            <a:endParaRPr lang="en-US" altLang="zh-CN" sz="1600">
-              <a:latin typeface="宋体" panose="02010600030101010101" pitchFamily="2" charset="-122"/>
-              <a:ea typeface="宋体" panose="02010600030101010101" pitchFamily="2" charset="-122"/>
-              <a:cs typeface="宋体" panose="02010600030101010101" pitchFamily="2" charset="-122"/>
-            </a:endParaRPr>
-          </a:p>
-          <a:p>
-            <a:endParaRPr lang="en-US" altLang="zh-CN" sz="1600">
-              <a:latin typeface="宋体" panose="02010600030101010101" pitchFamily="2" charset="-122"/>
-              <a:ea typeface="宋体" panose="02010600030101010101" pitchFamily="2" charset="-122"/>
-              <a:cs typeface="宋体" panose="02010600030101010101" pitchFamily="2" charset="-122"/>
-            </a:endParaRPr>
-          </a:p>
-          <a:p>
-            <a:r>
-              <a:rPr lang="en-US" altLang="zh-CN" sz="1600">
-                <a:latin typeface="宋体" panose="02010600030101010101" pitchFamily="2" charset="-122"/>
-                <a:ea typeface="宋体" panose="02010600030101010101" pitchFamily="2" charset="-122"/>
-                <a:cs typeface="宋体" panose="02010600030101010101" pitchFamily="2" charset="-122"/>
-              </a:rPr>
-              <a:t>Throwable类中常用方法如下：</a:t>
-            </a:r>
-            <a:endParaRPr lang="en-US" altLang="zh-CN" sz="1600">
-              <a:latin typeface="宋体" panose="02010600030101010101" pitchFamily="2" charset="-122"/>
-              <a:ea typeface="宋体" panose="02010600030101010101" pitchFamily="2" charset="-122"/>
-              <a:cs typeface="宋体" panose="02010600030101010101" pitchFamily="2" charset="-122"/>
-            </a:endParaRPr>
-          </a:p>
-          <a:p>
-            <a:endParaRPr lang="en-US" altLang="zh-CN" sz="1600">
-              <a:latin typeface="宋体" panose="02010600030101010101" pitchFamily="2" charset="-122"/>
-              <a:ea typeface="宋体" panose="02010600030101010101" pitchFamily="2" charset="-122"/>
-              <a:cs typeface="宋体" panose="02010600030101010101" pitchFamily="2" charset="-122"/>
-            </a:endParaRPr>
-          </a:p>
-          <a:p>
-            <a:r>
-              <a:rPr lang="en-US" altLang="zh-CN" sz="1600">
-                <a:latin typeface="宋体" panose="02010600030101010101" pitchFamily="2" charset="-122"/>
-                <a:ea typeface="宋体" panose="02010600030101010101" pitchFamily="2" charset="-122"/>
-                <a:cs typeface="宋体" panose="02010600030101010101" pitchFamily="2" charset="-122"/>
-              </a:rPr>
-              <a:t>1. 返回异常发生时的详细信息</a:t>
-            </a:r>
-            <a:endParaRPr lang="en-US" altLang="zh-CN" sz="1600">
-              <a:latin typeface="宋体" panose="02010600030101010101" pitchFamily="2" charset="-122"/>
-              <a:ea typeface="宋体" panose="02010600030101010101" pitchFamily="2" charset="-122"/>
-              <a:cs typeface="宋体" panose="02010600030101010101" pitchFamily="2" charset="-122"/>
-            </a:endParaRPr>
-          </a:p>
-          <a:p>
-            <a:r>
-              <a:rPr lang="en-US" altLang="zh-CN" sz="1600">
-                <a:latin typeface="宋体" panose="02010600030101010101" pitchFamily="2" charset="-122"/>
-                <a:ea typeface="宋体" panose="02010600030101010101" pitchFamily="2" charset="-122"/>
-                <a:cs typeface="宋体" panose="02010600030101010101" pitchFamily="2" charset="-122"/>
-              </a:rPr>
-              <a:t>public string getMessage();</a:t>
-            </a:r>
-            <a:endParaRPr lang="en-US" altLang="zh-CN" sz="1600">
-              <a:latin typeface="宋体" panose="02010600030101010101" pitchFamily="2" charset="-122"/>
-              <a:ea typeface="宋体" panose="02010600030101010101" pitchFamily="2" charset="-122"/>
-              <a:cs typeface="宋体" panose="02010600030101010101" pitchFamily="2" charset="-122"/>
-            </a:endParaRPr>
-          </a:p>
-          <a:p>
-            <a:r>
-              <a:rPr lang="en-US" altLang="zh-CN" sz="1600">
-                <a:latin typeface="宋体" panose="02010600030101010101" pitchFamily="2" charset="-122"/>
-                <a:ea typeface="宋体" panose="02010600030101010101" pitchFamily="2" charset="-122"/>
-                <a:cs typeface="宋体" panose="02010600030101010101" pitchFamily="2" charset="-122"/>
-              </a:rPr>
-              <a:t> </a:t>
-            </a:r>
-            <a:endParaRPr lang="en-US" altLang="zh-CN" sz="1600">
-              <a:latin typeface="宋体" panose="02010600030101010101" pitchFamily="2" charset="-122"/>
-              <a:ea typeface="宋体" panose="02010600030101010101" pitchFamily="2" charset="-122"/>
-              <a:cs typeface="宋体" panose="02010600030101010101" pitchFamily="2" charset="-122"/>
-            </a:endParaRPr>
-          </a:p>
-          <a:p>
-            <a:r>
-              <a:rPr lang="en-US" altLang="zh-CN" sz="1600">
-                <a:latin typeface="宋体" panose="02010600030101010101" pitchFamily="2" charset="-122"/>
-                <a:ea typeface="宋体" panose="02010600030101010101" pitchFamily="2" charset="-122"/>
-                <a:cs typeface="宋体" panose="02010600030101010101" pitchFamily="2" charset="-122"/>
-              </a:rPr>
-              <a:t>2. 返回异常发生时的简要描述</a:t>
-            </a:r>
-            <a:endParaRPr lang="en-US" altLang="zh-CN" sz="1600">
-              <a:latin typeface="宋体" panose="02010600030101010101" pitchFamily="2" charset="-122"/>
-              <a:ea typeface="宋体" panose="02010600030101010101" pitchFamily="2" charset="-122"/>
-              <a:cs typeface="宋体" panose="02010600030101010101" pitchFamily="2" charset="-122"/>
-            </a:endParaRPr>
-          </a:p>
-          <a:p>
-            <a:r>
-              <a:rPr lang="en-US" altLang="zh-CN" sz="1600">
-                <a:latin typeface="宋体" panose="02010600030101010101" pitchFamily="2" charset="-122"/>
-                <a:ea typeface="宋体" panose="02010600030101010101" pitchFamily="2" charset="-122"/>
-                <a:cs typeface="宋体" panose="02010600030101010101" pitchFamily="2" charset="-122"/>
-              </a:rPr>
-              <a:t>public string toString();</a:t>
-            </a:r>
-            <a:endParaRPr lang="en-US" altLang="zh-CN" sz="1600">
-              <a:latin typeface="宋体" panose="02010600030101010101" pitchFamily="2" charset="-122"/>
-              <a:ea typeface="宋体" panose="02010600030101010101" pitchFamily="2" charset="-122"/>
-              <a:cs typeface="宋体" panose="02010600030101010101" pitchFamily="2" charset="-122"/>
-            </a:endParaRPr>
-          </a:p>
-          <a:p>
-            <a:r>
-              <a:rPr lang="en-US" altLang="zh-CN" sz="1600">
-                <a:latin typeface="宋体" panose="02010600030101010101" pitchFamily="2" charset="-122"/>
-                <a:ea typeface="宋体" panose="02010600030101010101" pitchFamily="2" charset="-122"/>
-                <a:cs typeface="宋体" panose="02010600030101010101" pitchFamily="2" charset="-122"/>
-              </a:rPr>
-              <a:t> </a:t>
-            </a:r>
-            <a:endParaRPr lang="en-US" altLang="zh-CN" sz="1600">
-              <a:latin typeface="宋体" panose="02010600030101010101" pitchFamily="2" charset="-122"/>
-              <a:ea typeface="宋体" panose="02010600030101010101" pitchFamily="2" charset="-122"/>
-              <a:cs typeface="宋体" panose="02010600030101010101" pitchFamily="2" charset="-122"/>
-            </a:endParaRPr>
-          </a:p>
-          <a:p>
-            <a:r>
-              <a:rPr lang="en-US" altLang="zh-CN" sz="1600">
-                <a:latin typeface="宋体" panose="02010600030101010101" pitchFamily="2" charset="-122"/>
-                <a:ea typeface="宋体" panose="02010600030101010101" pitchFamily="2" charset="-122"/>
-                <a:cs typeface="宋体" panose="02010600030101010101" pitchFamily="2" charset="-122"/>
-              </a:rPr>
-              <a:t>3. 返回异常对象的本地化信息。使用Throwable的子类覆盖这个方法，可以声称本地化信息。如果子类没有覆盖该方法，则该方法返回的信息与getMessage（）返回的结果相同</a:t>
-            </a:r>
-            <a:endParaRPr lang="en-US" altLang="zh-CN" sz="1600">
-              <a:latin typeface="宋体" panose="02010600030101010101" pitchFamily="2" charset="-122"/>
-              <a:ea typeface="宋体" panose="02010600030101010101" pitchFamily="2" charset="-122"/>
-              <a:cs typeface="宋体" panose="02010600030101010101" pitchFamily="2" charset="-122"/>
-            </a:endParaRPr>
-          </a:p>
-          <a:p>
-            <a:r>
-              <a:rPr lang="en-US" altLang="zh-CN" sz="1600">
-                <a:latin typeface="宋体" panose="02010600030101010101" pitchFamily="2" charset="-122"/>
-                <a:ea typeface="宋体" panose="02010600030101010101" pitchFamily="2" charset="-122"/>
-                <a:cs typeface="宋体" panose="02010600030101010101" pitchFamily="2" charset="-122"/>
-              </a:rPr>
-              <a:t>public string getLocalizedMessage();</a:t>
-            </a:r>
-            <a:endParaRPr lang="en-US" altLang="zh-CN" sz="1600">
-              <a:latin typeface="宋体" panose="02010600030101010101" pitchFamily="2" charset="-122"/>
-              <a:ea typeface="宋体" panose="02010600030101010101" pitchFamily="2" charset="-122"/>
-              <a:cs typeface="宋体" panose="02010600030101010101" pitchFamily="2" charset="-122"/>
-            </a:endParaRPr>
-          </a:p>
-          <a:p>
-            <a:r>
-              <a:rPr lang="en-US" altLang="zh-CN" sz="1600">
-                <a:latin typeface="宋体" panose="02010600030101010101" pitchFamily="2" charset="-122"/>
-                <a:ea typeface="宋体" panose="02010600030101010101" pitchFamily="2" charset="-122"/>
-                <a:cs typeface="宋体" panose="02010600030101010101" pitchFamily="2" charset="-122"/>
-              </a:rPr>
-              <a:t> </a:t>
-            </a:r>
-            <a:endParaRPr lang="en-US" altLang="zh-CN" sz="1600">
-              <a:latin typeface="宋体" panose="02010600030101010101" pitchFamily="2" charset="-122"/>
-              <a:ea typeface="宋体" panose="02010600030101010101" pitchFamily="2" charset="-122"/>
-              <a:cs typeface="宋体" panose="02010600030101010101" pitchFamily="2" charset="-122"/>
-            </a:endParaRPr>
-          </a:p>
-          <a:p>
-            <a:r>
-              <a:rPr lang="en-US" altLang="zh-CN" sz="1600">
-                <a:latin typeface="宋体" panose="02010600030101010101" pitchFamily="2" charset="-122"/>
-                <a:ea typeface="宋体" panose="02010600030101010101" pitchFamily="2" charset="-122"/>
-                <a:cs typeface="宋体" panose="02010600030101010101" pitchFamily="2" charset="-122"/>
-              </a:rPr>
-              <a:t>4. 在控制台上打印Throwable对象封装的异常信息</a:t>
-            </a:r>
-            <a:endParaRPr lang="en-US" altLang="zh-CN" sz="1600">
-              <a:latin typeface="宋体" panose="02010600030101010101" pitchFamily="2" charset="-122"/>
-              <a:ea typeface="宋体" panose="02010600030101010101" pitchFamily="2" charset="-122"/>
-              <a:cs typeface="宋体" panose="02010600030101010101" pitchFamily="2" charset="-122"/>
-            </a:endParaRPr>
-          </a:p>
-          <a:p>
-            <a:r>
-              <a:rPr lang="en-US" altLang="zh-CN" sz="1600">
-                <a:latin typeface="宋体" panose="02010600030101010101" pitchFamily="2" charset="-122"/>
-                <a:ea typeface="宋体" panose="02010600030101010101" pitchFamily="2" charset="-122"/>
-                <a:cs typeface="宋体" panose="02010600030101010101" pitchFamily="2" charset="-122"/>
-              </a:rPr>
-              <a:t>public void printStackTrace();</a:t>
-            </a:r>
-            <a:endParaRPr lang="en-US" altLang="zh-CN" sz="1600">
-              <a:latin typeface="宋体" panose="02010600030101010101" pitchFamily="2" charset="-122"/>
-              <a:ea typeface="宋体" panose="02010600030101010101" pitchFamily="2" charset="-122"/>
-              <a:cs typeface="宋体" panose="02010600030101010101" pitchFamily="2" charset="-122"/>
-            </a:endParaRPr>
-          </a:p>
-        </p:txBody>
-      </p:sp>
-    </p:spTree>
-    <p:custDataLst>
-      <p:tags r:id="rId2"/>
-    </p:custDataLst>
-  </p:cSld>
-  <p:clrMapOvr>
-    <a:masterClrMapping/>
-  </p:clrMapOvr>
-</p:sld>
-</file>
-
-<file path=ppt/slides/slide7.xml><?xml version="1.0" encoding="utf-8"?>
 <p:sld xmlns:a="http://schemas.openxmlformats.org/drawingml/2006/main" xmlns:r="http://schemas.openxmlformats.org/officeDocument/2006/relationships" xmlns:p="http://schemas.openxmlformats.org/presentationml/2006/main">
   <p:cSld>
     <p:bg>
@@ -7872,7 +6680,7 @@
 </p:sld>
 </file>
 
-<file path=ppt/slides/slide8.xml><?xml version="1.0" encoding="utf-8"?>
+<file path=ppt/slides/slide12.xml><?xml version="1.0" encoding="utf-8"?>
 <p:sld xmlns:a="http://schemas.openxmlformats.org/drawingml/2006/main" xmlns:r="http://schemas.openxmlformats.org/officeDocument/2006/relationships" xmlns:p="http://schemas.openxmlformats.org/presentationml/2006/main">
   <p:cSld>
     <p:bg>
@@ -7957,7 +6765,7 @@
 </p:sld>
 </file>
 
-<file path=ppt/slides/slide9.xml><?xml version="1.0" encoding="utf-8"?>
+<file path=ppt/slides/slide13.xml><?xml version="1.0" encoding="utf-8"?>
 <p:sld xmlns:a="http://schemas.openxmlformats.org/drawingml/2006/main" xmlns:r="http://schemas.openxmlformats.org/officeDocument/2006/relationships" xmlns:p="http://schemas.openxmlformats.org/presentationml/2006/main">
   <p:cSld>
     <p:bg>
@@ -8042,6 +6850,1727 @@
 </p:sld>
 </file>
 
+<file path=ppt/slides/slide14.xml><?xml version="1.0" encoding="utf-8"?>
+<p:sld xmlns:a="http://schemas.openxmlformats.org/drawingml/2006/main" xmlns:r="http://schemas.openxmlformats.org/officeDocument/2006/relationships" xmlns:p="http://schemas.openxmlformats.org/presentationml/2006/main">
+  <p:cSld>
+    <p:bg>
+      <p:bgPr>
+        <a:blipFill rotWithShape="1">
+          <a:blip r:embed="rId1"/>
+          <a:stretch>
+            <a:fillRect/>
+          </a:stretch>
+        </a:blipFill>
+        <a:effectLst/>
+      </p:bgPr>
+    </p:bg>
+    <p:spTree>
+      <p:nvGrpSpPr>
+        <p:cNvPr id="1" name=""/>
+        <p:cNvGrpSpPr/>
+        <p:nvPr/>
+      </p:nvGrpSpPr>
+      <p:grpSpPr/>
+      <p:sp>
+        <p:nvSpPr>
+          <p:cNvPr id="2" name="文本框 1"/>
+          <p:cNvSpPr txBox="1"/>
+          <p:nvPr/>
+        </p:nvSpPr>
+        <p:spPr>
+          <a:xfrm>
+            <a:off x="257810" y="764540"/>
+            <a:ext cx="11721465" cy="1322070"/>
+          </a:xfrm>
+          <a:prstGeom prst="rect">
+            <a:avLst/>
+          </a:prstGeom>
+          <a:noFill/>
+        </p:spPr>
+        <p:txBody>
+          <a:bodyPr wrap="square" rtlCol="0">
+            <a:spAutoFit/>
+          </a:bodyPr>
+          <a:p>
+            <a:r>
+              <a:rPr lang="zh-CN" altLang="en-US" sz="1600">
+                <a:latin typeface="宋体" panose="02010600030101010101" pitchFamily="2" charset="-122"/>
+                <a:ea typeface="宋体" panose="02010600030101010101" pitchFamily="2" charset="-122"/>
+                <a:cs typeface="宋体" panose="02010600030101010101" pitchFamily="2" charset="-122"/>
+              </a:rPr>
+              <a:t>      1. 为什么要创建自己的异常？</a:t>
+            </a:r>
+            <a:endParaRPr lang="zh-CN" altLang="en-US" sz="1600">
+              <a:latin typeface="宋体" panose="02010600030101010101" pitchFamily="2" charset="-122"/>
+              <a:ea typeface="宋体" panose="02010600030101010101" pitchFamily="2" charset="-122"/>
+              <a:cs typeface="宋体" panose="02010600030101010101" pitchFamily="2" charset="-122"/>
+            </a:endParaRPr>
+          </a:p>
+          <a:p>
+            <a:r>
+              <a:rPr lang="zh-CN" altLang="en-US" sz="1600">
+                <a:latin typeface="宋体" panose="02010600030101010101" pitchFamily="2" charset="-122"/>
+                <a:ea typeface="宋体" panose="02010600030101010101" pitchFamily="2" charset="-122"/>
+                <a:cs typeface="宋体" panose="02010600030101010101" pitchFamily="2" charset="-122"/>
+              </a:rPr>
+              <a:t>      答：当Java内置的异常都不能明确的说明异常情况的时候，需要创建自己的异常。</a:t>
+            </a:r>
+            <a:endParaRPr lang="zh-CN" altLang="en-US" sz="1600">
+              <a:latin typeface="宋体" panose="02010600030101010101" pitchFamily="2" charset="-122"/>
+              <a:ea typeface="宋体" panose="02010600030101010101" pitchFamily="2" charset="-122"/>
+              <a:cs typeface="宋体" panose="02010600030101010101" pitchFamily="2" charset="-122"/>
+            </a:endParaRPr>
+          </a:p>
+          <a:p>
+            <a:endParaRPr lang="zh-CN" altLang="en-US" sz="1600">
+              <a:latin typeface="宋体" panose="02010600030101010101" pitchFamily="2" charset="-122"/>
+              <a:ea typeface="宋体" panose="02010600030101010101" pitchFamily="2" charset="-122"/>
+              <a:cs typeface="宋体" panose="02010600030101010101" pitchFamily="2" charset="-122"/>
+            </a:endParaRPr>
+          </a:p>
+          <a:p>
+            <a:r>
+              <a:rPr lang="zh-CN" altLang="en-US" sz="1600">
+                <a:latin typeface="宋体" panose="02010600030101010101" pitchFamily="2" charset="-122"/>
+                <a:ea typeface="宋体" panose="02010600030101010101" pitchFamily="2" charset="-122"/>
+                <a:cs typeface="宋体" panose="02010600030101010101" pitchFamily="2" charset="-122"/>
+              </a:rPr>
+              <a:t>      2. 应该在声明方法抛出异常还是在方法中捕获异常？</a:t>
+            </a:r>
+            <a:endParaRPr lang="zh-CN" altLang="en-US" sz="1600">
+              <a:latin typeface="宋体" panose="02010600030101010101" pitchFamily="2" charset="-122"/>
+              <a:ea typeface="宋体" panose="02010600030101010101" pitchFamily="2" charset="-122"/>
+              <a:cs typeface="宋体" panose="02010600030101010101" pitchFamily="2" charset="-122"/>
+            </a:endParaRPr>
+          </a:p>
+          <a:p>
+            <a:r>
+              <a:rPr lang="zh-CN" altLang="en-US" sz="1600">
+                <a:latin typeface="宋体" panose="02010600030101010101" pitchFamily="2" charset="-122"/>
+                <a:ea typeface="宋体" panose="02010600030101010101" pitchFamily="2" charset="-122"/>
+                <a:cs typeface="宋体" panose="02010600030101010101" pitchFamily="2" charset="-122"/>
+              </a:rPr>
+              <a:t>      答：捕捉并处理知道如何处理的异常，而抛出不知道如何处理的异常。</a:t>
+            </a:r>
+            <a:endParaRPr lang="zh-CN" altLang="en-US" sz="1600">
+              <a:latin typeface="宋体" panose="02010600030101010101" pitchFamily="2" charset="-122"/>
+              <a:ea typeface="宋体" panose="02010600030101010101" pitchFamily="2" charset="-122"/>
+              <a:cs typeface="宋体" panose="02010600030101010101" pitchFamily="2" charset="-122"/>
+            </a:endParaRPr>
+          </a:p>
+        </p:txBody>
+      </p:sp>
+    </p:spTree>
+    <p:custDataLst>
+      <p:tags r:id="rId2"/>
+    </p:custDataLst>
+  </p:cSld>
+  <p:clrMapOvr>
+    <a:masterClrMapping/>
+  </p:clrMapOvr>
+</p:sld>
+</file>
+
+<file path=ppt/slides/slide15.xml><?xml version="1.0" encoding="utf-8"?>
+<p:sld xmlns:a="http://schemas.openxmlformats.org/drawingml/2006/main" xmlns:r="http://schemas.openxmlformats.org/officeDocument/2006/relationships" xmlns:p="http://schemas.openxmlformats.org/presentationml/2006/main">
+  <p:cSld>
+    <p:bg>
+      <p:bgPr>
+        <a:blipFill rotWithShape="1">
+          <a:blip r:embed="rId1"/>
+          <a:stretch>
+            <a:fillRect/>
+          </a:stretch>
+        </a:blipFill>
+        <a:effectLst/>
+      </p:bgPr>
+    </p:bg>
+    <p:spTree>
+      <p:nvGrpSpPr>
+        <p:cNvPr id="1" name=""/>
+        <p:cNvGrpSpPr/>
+        <p:nvPr/>
+      </p:nvGrpSpPr>
+      <p:grpSpPr/>
+      <p:pic>
+        <p:nvPicPr>
+          <p:cNvPr id="2" name="图片 1"/>
+          <p:cNvPicPr>
+            <a:picLocks noChangeAspect="1"/>
+          </p:cNvPicPr>
+          <p:nvPr/>
+        </p:nvPicPr>
+        <p:blipFill>
+          <a:blip r:embed="rId2"/>
+          <a:stretch>
+            <a:fillRect/>
+          </a:stretch>
+        </p:blipFill>
+        <p:spPr>
+          <a:xfrm>
+            <a:off x="3002915" y="274320"/>
+            <a:ext cx="8763000" cy="6309360"/>
+          </a:xfrm>
+          <a:prstGeom prst="rect">
+            <a:avLst/>
+          </a:prstGeom>
+        </p:spPr>
+      </p:pic>
+      <p:sp>
+        <p:nvSpPr>
+          <p:cNvPr id="3" name="文本框 2"/>
+          <p:cNvSpPr txBox="1"/>
+          <p:nvPr/>
+        </p:nvSpPr>
+        <p:spPr>
+          <a:xfrm>
+            <a:off x="344170" y="1247775"/>
+            <a:ext cx="2079625" cy="398780"/>
+          </a:xfrm>
+          <a:prstGeom prst="rect">
+            <a:avLst/>
+          </a:prstGeom>
+          <a:noFill/>
+        </p:spPr>
+        <p:txBody>
+          <a:bodyPr wrap="square" rtlCol="0">
+            <a:spAutoFit/>
+          </a:bodyPr>
+          <a:p>
+            <a:r>
+              <a:rPr lang="zh-CN" altLang="en-US" sz="2000"/>
+              <a:t>支持 </a:t>
+            </a:r>
+            <a:r>
+              <a:rPr lang="en-US" altLang="zh-CN" sz="2000"/>
+              <a:t>junit </a:t>
+            </a:r>
+            <a:r>
+              <a:rPr lang="zh-CN" altLang="en-US" sz="2000"/>
+              <a:t>测试</a:t>
+            </a:r>
+            <a:endParaRPr lang="zh-CN" altLang="en-US" sz="2000"/>
+          </a:p>
+        </p:txBody>
+      </p:sp>
+    </p:spTree>
+    <p:custDataLst>
+      <p:tags r:id="rId3"/>
+    </p:custDataLst>
+  </p:cSld>
+  <p:clrMapOvr>
+    <a:masterClrMapping/>
+  </p:clrMapOvr>
+</p:sld>
+</file>
+
+<file path=ppt/slides/slide16.xml><?xml version="1.0" encoding="utf-8"?>
+<p:sld xmlns:a="http://schemas.openxmlformats.org/drawingml/2006/main" xmlns:r="http://schemas.openxmlformats.org/officeDocument/2006/relationships" xmlns:p="http://schemas.openxmlformats.org/presentationml/2006/main">
+  <p:cSld>
+    <p:bg>
+      <p:bgPr>
+        <a:blipFill rotWithShape="1">
+          <a:blip r:embed="rId1"/>
+          <a:stretch>
+            <a:fillRect/>
+          </a:stretch>
+        </a:blipFill>
+        <a:effectLst/>
+      </p:bgPr>
+    </p:bg>
+    <p:spTree>
+      <p:nvGrpSpPr>
+        <p:cNvPr id="1" name=""/>
+        <p:cNvGrpSpPr/>
+        <p:nvPr/>
+      </p:nvGrpSpPr>
+      <p:grpSpPr/>
+    </p:spTree>
+    <p:custDataLst>
+      <p:tags r:id="rId2"/>
+    </p:custDataLst>
+  </p:cSld>
+  <p:clrMapOvr>
+    <a:masterClrMapping/>
+  </p:clrMapOvr>
+</p:sld>
+</file>
+
+<file path=ppt/slides/slide17.xml><?xml version="1.0" encoding="utf-8"?>
+<p:sld xmlns:a="http://schemas.openxmlformats.org/drawingml/2006/main" xmlns:r="http://schemas.openxmlformats.org/officeDocument/2006/relationships" xmlns:p="http://schemas.openxmlformats.org/presentationml/2006/main">
+  <p:cSld>
+    <p:bg>
+      <p:bgPr>
+        <a:blipFill rotWithShape="1">
+          <a:blip r:embed="rId1"/>
+          <a:stretch>
+            <a:fillRect/>
+          </a:stretch>
+        </a:blipFill>
+        <a:effectLst/>
+      </p:bgPr>
+    </p:bg>
+    <p:spTree>
+      <p:nvGrpSpPr>
+        <p:cNvPr id="1" name=""/>
+        <p:cNvGrpSpPr/>
+        <p:nvPr/>
+      </p:nvGrpSpPr>
+      <p:grpSpPr/>
+    </p:spTree>
+    <p:custDataLst>
+      <p:tags r:id="rId2"/>
+    </p:custDataLst>
+  </p:cSld>
+  <p:clrMapOvr>
+    <a:masterClrMapping/>
+  </p:clrMapOvr>
+</p:sld>
+</file>
+
+<file path=ppt/slides/slide2.xml><?xml version="1.0" encoding="utf-8"?>
+<p:sld xmlns:a="http://schemas.openxmlformats.org/drawingml/2006/main" xmlns:r="http://schemas.openxmlformats.org/officeDocument/2006/relationships" xmlns:p="http://schemas.openxmlformats.org/presentationml/2006/main">
+  <p:cSld>
+    <p:bg>
+      <p:bgPr>
+        <a:blipFill rotWithShape="1">
+          <a:blip r:embed="rId1"/>
+          <a:stretch>
+            <a:fillRect/>
+          </a:stretch>
+        </a:blipFill>
+        <a:effectLst/>
+      </p:bgPr>
+    </p:bg>
+    <p:spTree>
+      <p:nvGrpSpPr>
+        <p:cNvPr id="1" name=""/>
+        <p:cNvGrpSpPr/>
+        <p:nvPr/>
+      </p:nvGrpSpPr>
+      <p:grpSpPr/>
+      <p:sp>
+        <p:nvSpPr>
+          <p:cNvPr id="2" name="文本框 1"/>
+          <p:cNvSpPr txBox="1"/>
+          <p:nvPr/>
+        </p:nvSpPr>
+        <p:spPr>
+          <a:xfrm>
+            <a:off x="341630" y="819150"/>
+            <a:ext cx="11508105" cy="583565"/>
+          </a:xfrm>
+          <a:prstGeom prst="rect">
+            <a:avLst/>
+          </a:prstGeom>
+          <a:noFill/>
+        </p:spPr>
+        <p:txBody>
+          <a:bodyPr wrap="square" rtlCol="0">
+            <a:spAutoFit/>
+          </a:bodyPr>
+          <a:p>
+            <a:pPr algn="ctr"/>
+            <a:r>
+              <a:rPr lang="zh-CN" altLang="en-US" sz="3200"/>
+              <a:t>异常发生原因</a:t>
+            </a:r>
+            <a:endParaRPr lang="en-US" altLang="zh-CN" sz="3200"/>
+          </a:p>
+        </p:txBody>
+      </p:sp>
+      <p:sp>
+        <p:nvSpPr>
+          <p:cNvPr id="3" name="文本框 2"/>
+          <p:cNvSpPr txBox="1"/>
+          <p:nvPr/>
+        </p:nvSpPr>
+        <p:spPr>
+          <a:xfrm>
+            <a:off x="185420" y="1602105"/>
+            <a:ext cx="11894185" cy="1753235"/>
+          </a:xfrm>
+          <a:prstGeom prst="rect">
+            <a:avLst/>
+          </a:prstGeom>
+          <a:noFill/>
+        </p:spPr>
+        <p:txBody>
+          <a:bodyPr wrap="square" rtlCol="0">
+            <a:spAutoFit/>
+          </a:bodyPr>
+          <a:p>
+            <a:r>
+              <a:rPr lang="en-US" altLang="zh-CN">
+                <a:latin typeface="宋体" panose="02010600030101010101" pitchFamily="2" charset="-122"/>
+                <a:ea typeface="宋体" panose="02010600030101010101" pitchFamily="2" charset="-122"/>
+                <a:cs typeface="宋体" panose="02010600030101010101" pitchFamily="2" charset="-122"/>
+                <a:sym typeface="+mn-ea"/>
+              </a:rPr>
+              <a:t>异常发生的原因有很多，通常包含以下几大类：</a:t>
+            </a:r>
+            <a:endParaRPr lang="en-US" altLang="zh-CN">
+              <a:latin typeface="宋体" panose="02010600030101010101" pitchFamily="2" charset="-122"/>
+              <a:ea typeface="宋体" panose="02010600030101010101" pitchFamily="2" charset="-122"/>
+              <a:cs typeface="宋体" panose="02010600030101010101" pitchFamily="2" charset="-122"/>
+            </a:endParaRPr>
+          </a:p>
+          <a:p>
+            <a:endParaRPr lang="en-US" altLang="zh-CN">
+              <a:latin typeface="宋体" panose="02010600030101010101" pitchFamily="2" charset="-122"/>
+              <a:ea typeface="宋体" panose="02010600030101010101" pitchFamily="2" charset="-122"/>
+              <a:cs typeface="宋体" panose="02010600030101010101" pitchFamily="2" charset="-122"/>
+            </a:endParaRPr>
+          </a:p>
+          <a:p>
+            <a:r>
+              <a:rPr lang="en-US" altLang="zh-CN">
+                <a:latin typeface="宋体" panose="02010600030101010101" pitchFamily="2" charset="-122"/>
+                <a:ea typeface="宋体" panose="02010600030101010101" pitchFamily="2" charset="-122"/>
+                <a:cs typeface="宋体" panose="02010600030101010101" pitchFamily="2" charset="-122"/>
+                <a:sym typeface="+mn-ea"/>
+              </a:rPr>
+              <a:t>用户输入了非法数据。</a:t>
+            </a:r>
+            <a:endParaRPr lang="en-US" altLang="zh-CN">
+              <a:latin typeface="宋体" panose="02010600030101010101" pitchFamily="2" charset="-122"/>
+              <a:ea typeface="宋体" panose="02010600030101010101" pitchFamily="2" charset="-122"/>
+              <a:cs typeface="宋体" panose="02010600030101010101" pitchFamily="2" charset="-122"/>
+            </a:endParaRPr>
+          </a:p>
+          <a:p>
+            <a:r>
+              <a:rPr lang="en-US" altLang="zh-CN">
+                <a:latin typeface="宋体" panose="02010600030101010101" pitchFamily="2" charset="-122"/>
+                <a:ea typeface="宋体" panose="02010600030101010101" pitchFamily="2" charset="-122"/>
+                <a:cs typeface="宋体" panose="02010600030101010101" pitchFamily="2" charset="-122"/>
+                <a:sym typeface="+mn-ea"/>
+              </a:rPr>
+              <a:t>要打开的文件不存在。</a:t>
+            </a:r>
+            <a:endParaRPr lang="en-US" altLang="zh-CN">
+              <a:latin typeface="宋体" panose="02010600030101010101" pitchFamily="2" charset="-122"/>
+              <a:ea typeface="宋体" panose="02010600030101010101" pitchFamily="2" charset="-122"/>
+              <a:cs typeface="宋体" panose="02010600030101010101" pitchFamily="2" charset="-122"/>
+            </a:endParaRPr>
+          </a:p>
+          <a:p>
+            <a:r>
+              <a:rPr lang="en-US" altLang="zh-CN">
+                <a:latin typeface="宋体" panose="02010600030101010101" pitchFamily="2" charset="-122"/>
+                <a:ea typeface="宋体" panose="02010600030101010101" pitchFamily="2" charset="-122"/>
+                <a:cs typeface="宋体" panose="02010600030101010101" pitchFamily="2" charset="-122"/>
+                <a:sym typeface="+mn-ea"/>
+              </a:rPr>
+              <a:t>网络通信时连接中断，或者JVM内存溢出。</a:t>
+            </a:r>
+            <a:endParaRPr lang="en-US" altLang="zh-CN">
+              <a:latin typeface="宋体" panose="02010600030101010101" pitchFamily="2" charset="-122"/>
+              <a:ea typeface="宋体" panose="02010600030101010101" pitchFamily="2" charset="-122"/>
+              <a:cs typeface="宋体" panose="02010600030101010101" pitchFamily="2" charset="-122"/>
+            </a:endParaRPr>
+          </a:p>
+          <a:p>
+            <a:r>
+              <a:rPr lang="en-US" altLang="zh-CN">
+                <a:latin typeface="宋体" panose="02010600030101010101" pitchFamily="2" charset="-122"/>
+                <a:ea typeface="宋体" panose="02010600030101010101" pitchFamily="2" charset="-122"/>
+                <a:cs typeface="宋体" panose="02010600030101010101" pitchFamily="2" charset="-122"/>
+                <a:sym typeface="+mn-ea"/>
+              </a:rPr>
+              <a:t>这些异常有的是因为用户错误引起，有的是程序错误引起的，还有其它一些是因为物理错误引起的。</a:t>
+            </a:r>
+            <a:endParaRPr lang="en-US" altLang="zh-CN">
+              <a:latin typeface="宋体" panose="02010600030101010101" pitchFamily="2" charset="-122"/>
+              <a:ea typeface="宋体" panose="02010600030101010101" pitchFamily="2" charset="-122"/>
+              <a:cs typeface="宋体" panose="02010600030101010101" pitchFamily="2" charset="-122"/>
+            </a:endParaRPr>
+          </a:p>
+        </p:txBody>
+      </p:sp>
+    </p:spTree>
+    <p:custDataLst>
+      <p:tags r:id="rId2"/>
+    </p:custDataLst>
+  </p:cSld>
+  <p:clrMapOvr>
+    <a:masterClrMapping/>
+  </p:clrMapOvr>
+</p:sld>
+</file>
+
+<file path=ppt/slides/slide3.xml><?xml version="1.0" encoding="utf-8"?>
+<p:sld xmlns:a="http://schemas.openxmlformats.org/drawingml/2006/main" xmlns:r="http://schemas.openxmlformats.org/officeDocument/2006/relationships" xmlns:p="http://schemas.openxmlformats.org/presentationml/2006/main">
+  <p:cSld>
+    <p:bg>
+      <p:bgPr>
+        <a:blipFill rotWithShape="1">
+          <a:blip r:embed="rId1"/>
+          <a:stretch>
+            <a:fillRect/>
+          </a:stretch>
+        </a:blipFill>
+        <a:effectLst/>
+      </p:bgPr>
+    </p:bg>
+    <p:spTree>
+      <p:nvGrpSpPr>
+        <p:cNvPr id="1" name=""/>
+        <p:cNvGrpSpPr/>
+        <p:nvPr/>
+      </p:nvGrpSpPr>
+      <p:grpSpPr/>
+      <p:sp>
+        <p:nvSpPr>
+          <p:cNvPr id="2" name="文本框 1"/>
+          <p:cNvSpPr txBox="1"/>
+          <p:nvPr/>
+        </p:nvSpPr>
+        <p:spPr>
+          <a:xfrm>
+            <a:off x="323850" y="819150"/>
+            <a:ext cx="11508105" cy="583565"/>
+          </a:xfrm>
+          <a:prstGeom prst="rect">
+            <a:avLst/>
+          </a:prstGeom>
+          <a:noFill/>
+        </p:spPr>
+        <p:txBody>
+          <a:bodyPr wrap="square" rtlCol="0">
+            <a:spAutoFit/>
+          </a:bodyPr>
+          <a:p>
+            <a:pPr algn="ctr"/>
+            <a:r>
+              <a:rPr lang="zh-CN" altLang="en-US" sz="3200"/>
+              <a:t>Java 异常处理</a:t>
+            </a:r>
+            <a:endParaRPr lang="zh-CN" altLang="en-US" sz="3200"/>
+          </a:p>
+        </p:txBody>
+      </p:sp>
+      <p:sp>
+        <p:nvSpPr>
+          <p:cNvPr id="3" name="文本框 2"/>
+          <p:cNvSpPr txBox="1"/>
+          <p:nvPr/>
+        </p:nvSpPr>
+        <p:spPr>
+          <a:xfrm>
+            <a:off x="185420" y="1602105"/>
+            <a:ext cx="11894185" cy="4523105"/>
+          </a:xfrm>
+          <a:prstGeom prst="rect">
+            <a:avLst/>
+          </a:prstGeom>
+          <a:noFill/>
+        </p:spPr>
+        <p:txBody>
+          <a:bodyPr wrap="square" rtlCol="0">
+            <a:spAutoFit/>
+          </a:bodyPr>
+          <a:p>
+            <a:r>
+              <a:rPr lang="en-US" altLang="zh-CN">
+                <a:latin typeface="宋体" panose="02010600030101010101" pitchFamily="2" charset="-122"/>
+                <a:ea typeface="宋体" panose="02010600030101010101" pitchFamily="2" charset="-122"/>
+                <a:cs typeface="宋体" panose="02010600030101010101" pitchFamily="2" charset="-122"/>
+              </a:rPr>
+              <a:t>一、 异常机制的概述</a:t>
+            </a:r>
+            <a:endParaRPr lang="en-US" altLang="zh-CN">
+              <a:latin typeface="宋体" panose="02010600030101010101" pitchFamily="2" charset="-122"/>
+              <a:ea typeface="宋体" panose="02010600030101010101" pitchFamily="2" charset="-122"/>
+              <a:cs typeface="宋体" panose="02010600030101010101" pitchFamily="2" charset="-122"/>
+            </a:endParaRPr>
+          </a:p>
+          <a:p>
+            <a:r>
+              <a:rPr lang="en-US" altLang="zh-CN">
+                <a:latin typeface="宋体" panose="02010600030101010101" pitchFamily="2" charset="-122"/>
+                <a:ea typeface="宋体" panose="02010600030101010101" pitchFamily="2" charset="-122"/>
+                <a:cs typeface="宋体" panose="02010600030101010101" pitchFamily="2" charset="-122"/>
+              </a:rPr>
+              <a:t>异常机制是指当程序出现错误后，程序如何处理。具体来说，异常机制提供了程序退出的安全通道。当出现错误后，程序执行的流程发生改变，程序的控制权转移到异常处理器。</a:t>
+            </a:r>
+            <a:endParaRPr lang="en-US" altLang="zh-CN">
+              <a:latin typeface="宋体" panose="02010600030101010101" pitchFamily="2" charset="-122"/>
+              <a:ea typeface="宋体" panose="02010600030101010101" pitchFamily="2" charset="-122"/>
+              <a:cs typeface="宋体" panose="02010600030101010101" pitchFamily="2" charset="-122"/>
+            </a:endParaRPr>
+          </a:p>
+          <a:p>
+            <a:endParaRPr lang="en-US" altLang="zh-CN">
+              <a:latin typeface="宋体" panose="02010600030101010101" pitchFamily="2" charset="-122"/>
+              <a:ea typeface="宋体" panose="02010600030101010101" pitchFamily="2" charset="-122"/>
+              <a:cs typeface="宋体" panose="02010600030101010101" pitchFamily="2" charset="-122"/>
+            </a:endParaRPr>
+          </a:p>
+          <a:p>
+            <a:r>
+              <a:rPr lang="en-US" altLang="zh-CN">
+                <a:latin typeface="宋体" panose="02010600030101010101" pitchFamily="2" charset="-122"/>
+                <a:ea typeface="宋体" panose="02010600030101010101" pitchFamily="2" charset="-122"/>
+                <a:cs typeface="宋体" panose="02010600030101010101" pitchFamily="2" charset="-122"/>
+              </a:rPr>
+              <a:t>程序错误分为三种：1.编译错误；2.运行时错误；3.逻辑错误。</a:t>
+            </a:r>
+            <a:endParaRPr lang="en-US" altLang="zh-CN">
+              <a:latin typeface="宋体" panose="02010600030101010101" pitchFamily="2" charset="-122"/>
+              <a:ea typeface="宋体" panose="02010600030101010101" pitchFamily="2" charset="-122"/>
+              <a:cs typeface="宋体" panose="02010600030101010101" pitchFamily="2" charset="-122"/>
+            </a:endParaRPr>
+          </a:p>
+          <a:p>
+            <a:r>
+              <a:rPr lang="en-US" altLang="zh-CN">
+                <a:latin typeface="宋体" panose="02010600030101010101" pitchFamily="2" charset="-122"/>
+                <a:ea typeface="宋体" panose="02010600030101010101" pitchFamily="2" charset="-122"/>
+                <a:cs typeface="宋体" panose="02010600030101010101" pitchFamily="2" charset="-122"/>
+              </a:rPr>
+              <a:t>（1）编译错误是因为程序没有遵循语法规则，编译程序能够自己发现并且提示我们错误的原因和位置，这个也是大家在刚接触编程语言最常遇到的问题。</a:t>
+            </a:r>
+            <a:endParaRPr lang="en-US" altLang="zh-CN">
+              <a:latin typeface="宋体" panose="02010600030101010101" pitchFamily="2" charset="-122"/>
+              <a:ea typeface="宋体" panose="02010600030101010101" pitchFamily="2" charset="-122"/>
+              <a:cs typeface="宋体" panose="02010600030101010101" pitchFamily="2" charset="-122"/>
+            </a:endParaRPr>
+          </a:p>
+          <a:p>
+            <a:r>
+              <a:rPr lang="en-US" altLang="zh-CN">
+                <a:latin typeface="宋体" panose="02010600030101010101" pitchFamily="2" charset="-122"/>
+                <a:ea typeface="宋体" panose="02010600030101010101" pitchFamily="2" charset="-122"/>
+                <a:cs typeface="宋体" panose="02010600030101010101" pitchFamily="2" charset="-122"/>
+              </a:rPr>
+              <a:t>（2）运行时错误是因为程序在执行时，运行环境发现了不能执行的操作。</a:t>
+            </a:r>
+            <a:endParaRPr lang="en-US" altLang="zh-CN">
+              <a:latin typeface="宋体" panose="02010600030101010101" pitchFamily="2" charset="-122"/>
+              <a:ea typeface="宋体" panose="02010600030101010101" pitchFamily="2" charset="-122"/>
+              <a:cs typeface="宋体" panose="02010600030101010101" pitchFamily="2" charset="-122"/>
+            </a:endParaRPr>
+          </a:p>
+          <a:p>
+            <a:r>
+              <a:rPr lang="en-US" altLang="zh-CN">
+                <a:latin typeface="宋体" panose="02010600030101010101" pitchFamily="2" charset="-122"/>
+                <a:ea typeface="宋体" panose="02010600030101010101" pitchFamily="2" charset="-122"/>
+                <a:cs typeface="宋体" panose="02010600030101010101" pitchFamily="2" charset="-122"/>
+              </a:rPr>
+              <a:t>（3）逻辑错误是因为程序没有按照预期的逻辑顺序执行。异常也就是指程序运行时发生错误，而异常处理就是对这些错误进行处理和控制。</a:t>
+            </a:r>
+            <a:endParaRPr lang="en-US" altLang="zh-CN">
+              <a:latin typeface="宋体" panose="02010600030101010101" pitchFamily="2" charset="-122"/>
+              <a:ea typeface="宋体" panose="02010600030101010101" pitchFamily="2" charset="-122"/>
+              <a:cs typeface="宋体" panose="02010600030101010101" pitchFamily="2" charset="-122"/>
+            </a:endParaRPr>
+          </a:p>
+          <a:p>
+            <a:endParaRPr lang="en-US" altLang="zh-CN">
+              <a:latin typeface="宋体" panose="02010600030101010101" pitchFamily="2" charset="-122"/>
+              <a:ea typeface="宋体" panose="02010600030101010101" pitchFamily="2" charset="-122"/>
+              <a:cs typeface="宋体" panose="02010600030101010101" pitchFamily="2" charset="-122"/>
+            </a:endParaRPr>
+          </a:p>
+          <a:p>
+            <a:r>
+              <a:rPr lang="en-US" altLang="zh-CN">
+                <a:latin typeface="宋体" panose="02010600030101010101" pitchFamily="2" charset="-122"/>
+                <a:ea typeface="宋体" panose="02010600030101010101" pitchFamily="2" charset="-122"/>
+                <a:cs typeface="宋体" panose="02010600030101010101" pitchFamily="2" charset="-122"/>
+              </a:rPr>
+              <a:t>在 Java 中，所有的异常都有一个共同的祖先 Throwable（可抛出）。Throwable 指定代码中可用异常传播机制通过 Java 应用程序传输的任何问题的共性。</a:t>
+            </a:r>
+            <a:endParaRPr lang="en-US" altLang="zh-CN">
+              <a:latin typeface="宋体" panose="02010600030101010101" pitchFamily="2" charset="-122"/>
+              <a:ea typeface="宋体" panose="02010600030101010101" pitchFamily="2" charset="-122"/>
+              <a:cs typeface="宋体" panose="02010600030101010101" pitchFamily="2" charset="-122"/>
+            </a:endParaRPr>
+          </a:p>
+          <a:p>
+            <a:endParaRPr lang="en-US" altLang="zh-CN">
+              <a:latin typeface="宋体" panose="02010600030101010101" pitchFamily="2" charset="-122"/>
+              <a:ea typeface="宋体" panose="02010600030101010101" pitchFamily="2" charset="-122"/>
+              <a:cs typeface="宋体" panose="02010600030101010101" pitchFamily="2" charset="-122"/>
+            </a:endParaRPr>
+          </a:p>
+          <a:p>
+            <a:r>
+              <a:rPr lang="en-US" altLang="zh-CN">
+                <a:latin typeface="宋体" panose="02010600030101010101" pitchFamily="2" charset="-122"/>
+                <a:ea typeface="宋体" panose="02010600030101010101" pitchFamily="2" charset="-122"/>
+                <a:cs typeface="宋体" panose="02010600030101010101" pitchFamily="2" charset="-122"/>
+              </a:rPr>
+              <a:t>Throwable： 有两个重要的子类：Exception（异常）和 Error（错误），二者都是 Java 异常处理的重要子类，各自都包含大量子类。异常和错误的区别是：</a:t>
+            </a:r>
+            <a:r>
+              <a:rPr lang="en-US" altLang="zh-CN" b="1">
+                <a:solidFill>
+                  <a:srgbClr val="FF0000"/>
+                </a:solidFill>
+                <a:latin typeface="宋体" panose="02010600030101010101" pitchFamily="2" charset="-122"/>
+                <a:ea typeface="宋体" panose="02010600030101010101" pitchFamily="2" charset="-122"/>
+                <a:cs typeface="宋体" panose="02010600030101010101" pitchFamily="2" charset="-122"/>
+              </a:rPr>
+              <a:t>异常能被程序本身可以处理，错误是无法处理</a:t>
+            </a:r>
+            <a:r>
+              <a:rPr lang="en-US" altLang="zh-CN">
+                <a:latin typeface="宋体" panose="02010600030101010101" pitchFamily="2" charset="-122"/>
+                <a:ea typeface="宋体" panose="02010600030101010101" pitchFamily="2" charset="-122"/>
+                <a:cs typeface="宋体" panose="02010600030101010101" pitchFamily="2" charset="-122"/>
+              </a:rPr>
+              <a:t>。</a:t>
+            </a:r>
+            <a:endParaRPr lang="en-US" altLang="zh-CN">
+              <a:latin typeface="宋体" panose="02010600030101010101" pitchFamily="2" charset="-122"/>
+              <a:ea typeface="宋体" panose="02010600030101010101" pitchFamily="2" charset="-122"/>
+              <a:cs typeface="宋体" panose="02010600030101010101" pitchFamily="2" charset="-122"/>
+            </a:endParaRPr>
+          </a:p>
+        </p:txBody>
+      </p:sp>
+    </p:spTree>
+    <p:custDataLst>
+      <p:tags r:id="rId2"/>
+    </p:custDataLst>
+  </p:cSld>
+  <p:clrMapOvr>
+    <a:masterClrMapping/>
+  </p:clrMapOvr>
+</p:sld>
+</file>
+
+<file path=ppt/slides/slide4.xml><?xml version="1.0" encoding="utf-8"?>
+<p:sld xmlns:a="http://schemas.openxmlformats.org/drawingml/2006/main" xmlns:r="http://schemas.openxmlformats.org/officeDocument/2006/relationships" xmlns:p="http://schemas.openxmlformats.org/presentationml/2006/main">
+  <p:cSld>
+    <p:bg>
+      <p:bgPr>
+        <a:blipFill rotWithShape="1">
+          <a:blip r:embed="rId1"/>
+          <a:stretch>
+            <a:fillRect/>
+          </a:stretch>
+        </a:blipFill>
+        <a:effectLst/>
+      </p:bgPr>
+    </p:bg>
+    <p:spTree>
+      <p:nvGrpSpPr>
+        <p:cNvPr id="1" name=""/>
+        <p:cNvGrpSpPr/>
+        <p:nvPr/>
+      </p:nvGrpSpPr>
+      <p:grpSpPr/>
+      <p:pic>
+        <p:nvPicPr>
+          <p:cNvPr id="4" name="图片 3"/>
+          <p:cNvPicPr>
+            <a:picLocks noChangeAspect="1"/>
+          </p:cNvPicPr>
+          <p:nvPr/>
+        </p:nvPicPr>
+        <p:blipFill>
+          <a:blip r:embed="rId2"/>
+          <a:stretch>
+            <a:fillRect/>
+          </a:stretch>
+        </p:blipFill>
+        <p:spPr>
+          <a:xfrm>
+            <a:off x="1695450" y="1178560"/>
+            <a:ext cx="8562340" cy="4281805"/>
+          </a:xfrm>
+          <a:prstGeom prst="rect">
+            <a:avLst/>
+          </a:prstGeom>
+        </p:spPr>
+      </p:pic>
+    </p:spTree>
+    <p:custDataLst>
+      <p:tags r:id="rId3"/>
+    </p:custDataLst>
+  </p:cSld>
+  <p:clrMapOvr>
+    <a:masterClrMapping/>
+  </p:clrMapOvr>
+</p:sld>
+</file>
+
+<file path=ppt/slides/slide5.xml><?xml version="1.0" encoding="utf-8"?>
+<p:sld xmlns:a="http://schemas.openxmlformats.org/drawingml/2006/main" xmlns:r="http://schemas.openxmlformats.org/officeDocument/2006/relationships" xmlns:p="http://schemas.openxmlformats.org/presentationml/2006/main">
+  <p:cSld>
+    <p:bg>
+      <p:bgPr>
+        <a:blipFill rotWithShape="1">
+          <a:blip r:embed="rId1"/>
+          <a:stretch>
+            <a:fillRect/>
+          </a:stretch>
+        </a:blipFill>
+        <a:effectLst/>
+      </p:bgPr>
+    </p:bg>
+    <p:spTree>
+      <p:nvGrpSpPr>
+        <p:cNvPr id="1" name=""/>
+        <p:cNvGrpSpPr/>
+        <p:nvPr/>
+      </p:nvGrpSpPr>
+      <p:grpSpPr/>
+      <p:pic>
+        <p:nvPicPr>
+          <p:cNvPr id="4" name="图片 3"/>
+          <p:cNvPicPr>
+            <a:picLocks noChangeAspect="1"/>
+          </p:cNvPicPr>
+          <p:nvPr/>
+        </p:nvPicPr>
+        <p:blipFill>
+          <a:blip r:embed="rId2"/>
+          <a:stretch>
+            <a:fillRect/>
+          </a:stretch>
+        </p:blipFill>
+        <p:spPr>
+          <a:xfrm>
+            <a:off x="550545" y="1108710"/>
+            <a:ext cx="8562340" cy="4281805"/>
+          </a:xfrm>
+          <a:prstGeom prst="rect">
+            <a:avLst/>
+          </a:prstGeom>
+        </p:spPr>
+      </p:pic>
+      <p:cxnSp>
+        <p:nvCxnSpPr>
+          <p:cNvPr id="2" name="直接连接符 1"/>
+          <p:cNvCxnSpPr/>
+          <p:nvPr/>
+        </p:nvCxnSpPr>
+        <p:spPr>
+          <a:xfrm>
+            <a:off x="1750060" y="995045"/>
+            <a:ext cx="8401050" cy="4976495"/>
+          </a:xfrm>
+          <a:prstGeom prst="line">
+            <a:avLst/>
+          </a:prstGeom>
+          <a:ln w="38100">
+            <a:solidFill>
+              <a:srgbClr val="FFC000"/>
+            </a:solidFill>
+            <a:prstDash val="dash"/>
+          </a:ln>
+        </p:spPr>
+        <p:style>
+          <a:lnRef idx="1">
+            <a:schemeClr val="accent1"/>
+          </a:lnRef>
+          <a:fillRef idx="0">
+            <a:schemeClr val="accent1"/>
+          </a:fillRef>
+          <a:effectRef idx="0">
+            <a:schemeClr val="accent1"/>
+          </a:effectRef>
+          <a:fontRef idx="minor">
+            <a:schemeClr val="tx1"/>
+          </a:fontRef>
+        </p:style>
+      </p:cxnSp>
+      <p:sp>
+        <p:nvSpPr>
+          <p:cNvPr id="3" name="文本框 2"/>
+          <p:cNvSpPr txBox="1"/>
+          <p:nvPr/>
+        </p:nvSpPr>
+        <p:spPr>
+          <a:xfrm>
+            <a:off x="7799070" y="5683250"/>
+            <a:ext cx="1473200" cy="368300"/>
+          </a:xfrm>
+          <a:prstGeom prst="rect">
+            <a:avLst/>
+          </a:prstGeom>
+          <a:noFill/>
+        </p:spPr>
+        <p:txBody>
+          <a:bodyPr wrap="square" rtlCol="0">
+            <a:spAutoFit/>
+          </a:bodyPr>
+          <a:p>
+            <a:r>
+              <a:rPr lang="zh-CN" altLang="en-US" b="1">
+                <a:solidFill>
+                  <a:srgbClr val="FFC000"/>
+                </a:solidFill>
+              </a:rPr>
+              <a:t>非检查异常</a:t>
+            </a:r>
+            <a:endParaRPr lang="zh-CN" altLang="en-US" b="1">
+              <a:solidFill>
+                <a:srgbClr val="FFC000"/>
+              </a:solidFill>
+            </a:endParaRPr>
+          </a:p>
+        </p:txBody>
+      </p:sp>
+      <p:sp>
+        <p:nvSpPr>
+          <p:cNvPr id="5" name="文本框 4"/>
+          <p:cNvSpPr txBox="1"/>
+          <p:nvPr/>
+        </p:nvSpPr>
+        <p:spPr>
+          <a:xfrm>
+            <a:off x="9763125" y="5022215"/>
+            <a:ext cx="1473200" cy="368300"/>
+          </a:xfrm>
+          <a:prstGeom prst="rect">
+            <a:avLst/>
+          </a:prstGeom>
+          <a:noFill/>
+        </p:spPr>
+        <p:txBody>
+          <a:bodyPr wrap="square" rtlCol="0">
+            <a:spAutoFit/>
+          </a:bodyPr>
+          <a:p>
+            <a:r>
+              <a:rPr lang="zh-CN" altLang="en-US" b="1">
+                <a:solidFill>
+                  <a:srgbClr val="FFC000"/>
+                </a:solidFill>
+              </a:rPr>
+              <a:t>检查异常</a:t>
+            </a:r>
+            <a:endParaRPr lang="zh-CN" altLang="en-US" b="1">
+              <a:solidFill>
+                <a:srgbClr val="FFC000"/>
+              </a:solidFill>
+            </a:endParaRPr>
+          </a:p>
+        </p:txBody>
+      </p:sp>
+      <p:sp>
+        <p:nvSpPr>
+          <p:cNvPr id="6" name="矩形 5"/>
+          <p:cNvSpPr/>
+          <p:nvPr/>
+        </p:nvSpPr>
+        <p:spPr>
+          <a:xfrm>
+            <a:off x="4106545" y="2374265"/>
+            <a:ext cx="5006340" cy="1751330"/>
+          </a:xfrm>
+          <a:prstGeom prst="rect">
+            <a:avLst/>
+          </a:prstGeom>
+          <a:noFill/>
+          <a:ln w="38100">
+            <a:solidFill>
+              <a:schemeClr val="tx2"/>
+            </a:solidFill>
+          </a:ln>
+          <a:extLst>
+            <a:ext uri="{909E8E84-426E-40DD-AFC4-6F175D3DCCD1}">
+              <a14:hiddenFill xmlns:a14="http://schemas.microsoft.com/office/drawing/2010/main">
+                <a:solidFill>
+                  <a:schemeClr val="accent1"/>
+                </a:solidFill>
+              </a14:hiddenFill>
+            </a:ext>
+          </a:extLst>
+        </p:spPr>
+        <p:style>
+          <a:lnRef idx="2">
+            <a:schemeClr val="accent1">
+              <a:shade val="50000"/>
+            </a:schemeClr>
+          </a:lnRef>
+          <a:fillRef idx="1">
+            <a:schemeClr val="accent1"/>
+          </a:fillRef>
+          <a:effectRef idx="0">
+            <a:schemeClr val="accent1"/>
+          </a:effectRef>
+          <a:fontRef idx="minor">
+            <a:schemeClr val="lt1"/>
+          </a:fontRef>
+        </p:style>
+        <p:txBody>
+          <a:bodyPr rtlCol="0" anchor="ctr"/>
+          <a:p>
+            <a:pPr algn="ctr"/>
+            <a:endParaRPr lang="zh-CN" altLang="en-US"/>
+          </a:p>
+        </p:txBody>
+      </p:sp>
+      <p:sp>
+        <p:nvSpPr>
+          <p:cNvPr id="7" name="文本框 6"/>
+          <p:cNvSpPr txBox="1"/>
+          <p:nvPr/>
+        </p:nvSpPr>
+        <p:spPr>
+          <a:xfrm>
+            <a:off x="7562850" y="2503805"/>
+            <a:ext cx="2866390" cy="368300"/>
+          </a:xfrm>
+          <a:prstGeom prst="rect">
+            <a:avLst/>
+          </a:prstGeom>
+          <a:noFill/>
+        </p:spPr>
+        <p:txBody>
+          <a:bodyPr wrap="square" rtlCol="0">
+            <a:spAutoFit/>
+          </a:bodyPr>
+          <a:p>
+            <a:r>
+              <a:rPr lang="zh-CN" altLang="en-US" b="1">
+                <a:solidFill>
+                  <a:srgbClr val="FFC000"/>
+                </a:solidFill>
+              </a:rPr>
+              <a:t>非运行时异常（编译异常）</a:t>
+            </a:r>
+            <a:endParaRPr lang="zh-CN" altLang="en-US" b="1">
+              <a:solidFill>
+                <a:srgbClr val="FFC000"/>
+              </a:solidFill>
+            </a:endParaRPr>
+          </a:p>
+        </p:txBody>
+      </p:sp>
+      <p:sp>
+        <p:nvSpPr>
+          <p:cNvPr id="8" name="文本框 7"/>
+          <p:cNvSpPr txBox="1"/>
+          <p:nvPr/>
+        </p:nvSpPr>
+        <p:spPr>
+          <a:xfrm>
+            <a:off x="4095115" y="3065145"/>
+            <a:ext cx="1473200" cy="368300"/>
+          </a:xfrm>
+          <a:prstGeom prst="rect">
+            <a:avLst/>
+          </a:prstGeom>
+          <a:noFill/>
+        </p:spPr>
+        <p:txBody>
+          <a:bodyPr wrap="square" rtlCol="0">
+            <a:spAutoFit/>
+          </a:bodyPr>
+          <a:p>
+            <a:r>
+              <a:rPr lang="zh-CN" altLang="en-US" b="1">
+                <a:solidFill>
+                  <a:srgbClr val="FFC000"/>
+                </a:solidFill>
+              </a:rPr>
+              <a:t>运行时异常</a:t>
+            </a:r>
+            <a:endParaRPr lang="zh-CN" altLang="en-US" b="1">
+              <a:solidFill>
+                <a:srgbClr val="FFC000"/>
+              </a:solidFill>
+            </a:endParaRPr>
+          </a:p>
+        </p:txBody>
+      </p:sp>
+    </p:spTree>
+    <p:custDataLst>
+      <p:tags r:id="rId3"/>
+    </p:custDataLst>
+  </p:cSld>
+  <p:clrMapOvr>
+    <a:masterClrMapping/>
+  </p:clrMapOvr>
+</p:sld>
+</file>
+
+<file path=ppt/slides/slide6.xml><?xml version="1.0" encoding="utf-8"?>
+<p:sld xmlns:a="http://schemas.openxmlformats.org/drawingml/2006/main" xmlns:r="http://schemas.openxmlformats.org/officeDocument/2006/relationships" xmlns:p="http://schemas.openxmlformats.org/presentationml/2006/main">
+  <p:cSld>
+    <p:bg>
+      <p:bgPr>
+        <a:blipFill rotWithShape="1">
+          <a:blip r:embed="rId1"/>
+          <a:stretch>
+            <a:fillRect/>
+          </a:stretch>
+        </a:blipFill>
+        <a:effectLst/>
+      </p:bgPr>
+    </p:bg>
+    <p:spTree>
+      <p:nvGrpSpPr>
+        <p:cNvPr id="1" name=""/>
+        <p:cNvGrpSpPr/>
+        <p:nvPr/>
+      </p:nvGrpSpPr>
+      <p:grpSpPr/>
+      <p:sp>
+        <p:nvSpPr>
+          <p:cNvPr id="3" name="文本框 2"/>
+          <p:cNvSpPr txBox="1"/>
+          <p:nvPr/>
+        </p:nvSpPr>
+        <p:spPr>
+          <a:xfrm>
+            <a:off x="208915" y="1402715"/>
+            <a:ext cx="11894185" cy="3415030"/>
+          </a:xfrm>
+          <a:prstGeom prst="rect">
+            <a:avLst/>
+          </a:prstGeom>
+          <a:noFill/>
+        </p:spPr>
+        <p:txBody>
+          <a:bodyPr wrap="square" rtlCol="0">
+            <a:spAutoFit/>
+          </a:bodyPr>
+          <a:p>
+            <a:r>
+              <a:rPr lang="en-US" altLang="zh-CN">
+                <a:latin typeface="宋体" panose="02010600030101010101" pitchFamily="2" charset="-122"/>
+                <a:ea typeface="宋体" panose="02010600030101010101" pitchFamily="2" charset="-122"/>
+                <a:cs typeface="宋体" panose="02010600030101010101" pitchFamily="2" charset="-122"/>
+              </a:rPr>
+              <a:t>Error（错误）:是程序无法处理的错误，表示运行应用程序中较严重问题。大多数错误与代码编写者执行的操作无关，而表示代码运行时 JVM（Java 虚拟机）出现的问题。例如，Java虚拟机运行错误（Virtual MachineError），当 JVM 不再有继续执行操作所需的内存资源时，将出现 OutOfMemoryError。这些异常发生时，Java虚拟机（JVM）一般会选择线程终止。这些错误表示故障发生于虚拟机自身、或者发生在虚拟机试图执行应用时，如Java虚拟机运行错误（Virtual MachineError）、类定义错误（NoClassDefFoundError）等。这些错误是不可查的，因为它们在应用程序的控制和处理能力之 外，而且绝大多数是程序运行时不允许出现的状况。对于设计合理的应用程序来说，即使确实发生了错误，本质上也不应该试图去处理它所引起的异常状况。在 Java中，错误通过Error的子类描述。</a:t>
+            </a:r>
+            <a:endParaRPr lang="en-US" altLang="zh-CN">
+              <a:latin typeface="宋体" panose="02010600030101010101" pitchFamily="2" charset="-122"/>
+              <a:ea typeface="宋体" panose="02010600030101010101" pitchFamily="2" charset="-122"/>
+              <a:cs typeface="宋体" panose="02010600030101010101" pitchFamily="2" charset="-122"/>
+            </a:endParaRPr>
+          </a:p>
+          <a:p>
+            <a:endParaRPr lang="en-US" altLang="zh-CN">
+              <a:latin typeface="宋体" panose="02010600030101010101" pitchFamily="2" charset="-122"/>
+              <a:ea typeface="宋体" panose="02010600030101010101" pitchFamily="2" charset="-122"/>
+              <a:cs typeface="宋体" panose="02010600030101010101" pitchFamily="2" charset="-122"/>
+            </a:endParaRPr>
+          </a:p>
+          <a:p>
+            <a:r>
+              <a:rPr lang="en-US" altLang="zh-CN">
+                <a:latin typeface="宋体" panose="02010600030101010101" pitchFamily="2" charset="-122"/>
+                <a:ea typeface="宋体" panose="02010600030101010101" pitchFamily="2" charset="-122"/>
+                <a:cs typeface="宋体" panose="02010600030101010101" pitchFamily="2" charset="-122"/>
+              </a:rPr>
+              <a:t>Exception（异常）:是程序本身可以处理的异常。Exception 类有一个重要的子类 RuntimeException。RuntimeException 类及其子类表示“JVM 常用操作”引发的错误。例如，若试图使用空值对象引用、除数为零或数组越界，则分别引发运行时异常（NullPointerException、ArithmeticException）和 ArrayIndexOutOfBoundException。</a:t>
+            </a:r>
+            <a:endParaRPr lang="en-US" altLang="zh-CN">
+              <a:latin typeface="宋体" panose="02010600030101010101" pitchFamily="2" charset="-122"/>
+              <a:ea typeface="宋体" panose="02010600030101010101" pitchFamily="2" charset="-122"/>
+              <a:cs typeface="宋体" panose="02010600030101010101" pitchFamily="2" charset="-122"/>
+            </a:endParaRPr>
+          </a:p>
+        </p:txBody>
+      </p:sp>
+      <p:sp>
+        <p:nvSpPr>
+          <p:cNvPr id="4" name="文本框 3"/>
+          <p:cNvSpPr txBox="1"/>
+          <p:nvPr/>
+        </p:nvSpPr>
+        <p:spPr>
+          <a:xfrm>
+            <a:off x="323850" y="819150"/>
+            <a:ext cx="11508105" cy="583565"/>
+          </a:xfrm>
+          <a:prstGeom prst="rect">
+            <a:avLst/>
+          </a:prstGeom>
+          <a:noFill/>
+        </p:spPr>
+        <p:txBody>
+          <a:bodyPr wrap="square" rtlCol="0">
+            <a:spAutoFit/>
+          </a:bodyPr>
+          <a:p>
+            <a:pPr algn="ctr"/>
+            <a:r>
+              <a:rPr lang="zh-CN" altLang="en-US" sz="3200"/>
+              <a:t>错误和异常</a:t>
+            </a:r>
+            <a:endParaRPr lang="zh-CN" altLang="en-US" sz="3200"/>
+          </a:p>
+        </p:txBody>
+      </p:sp>
+    </p:spTree>
+    <p:custDataLst>
+      <p:tags r:id="rId2"/>
+    </p:custDataLst>
+  </p:cSld>
+  <p:clrMapOvr>
+    <a:masterClrMapping/>
+  </p:clrMapOvr>
+</p:sld>
+</file>
+
+<file path=ppt/slides/slide7.xml><?xml version="1.0" encoding="utf-8"?>
+<p:sld xmlns:a="http://schemas.openxmlformats.org/drawingml/2006/main" xmlns:r="http://schemas.openxmlformats.org/officeDocument/2006/relationships" xmlns:p="http://schemas.openxmlformats.org/presentationml/2006/main">
+  <p:cSld>
+    <p:bg>
+      <p:bgPr>
+        <a:blipFill rotWithShape="1">
+          <a:blip r:embed="rId1"/>
+          <a:stretch>
+            <a:fillRect/>
+          </a:stretch>
+        </a:blipFill>
+        <a:effectLst/>
+      </p:bgPr>
+    </p:bg>
+    <p:spTree>
+      <p:nvGrpSpPr>
+        <p:cNvPr id="1" name=""/>
+        <p:cNvGrpSpPr/>
+        <p:nvPr/>
+      </p:nvGrpSpPr>
+      <p:grpSpPr/>
+      <p:sp>
+        <p:nvSpPr>
+          <p:cNvPr id="3" name="文本框 2"/>
+          <p:cNvSpPr txBox="1"/>
+          <p:nvPr/>
+        </p:nvSpPr>
+        <p:spPr>
+          <a:xfrm>
+            <a:off x="208915" y="1402715"/>
+            <a:ext cx="11894185" cy="2861310"/>
+          </a:xfrm>
+          <a:prstGeom prst="rect">
+            <a:avLst/>
+          </a:prstGeom>
+          <a:noFill/>
+        </p:spPr>
+        <p:txBody>
+          <a:bodyPr wrap="square" rtlCol="0">
+            <a:spAutoFit/>
+          </a:bodyPr>
+          <a:p>
+            <a:r>
+              <a:rPr lang="en-US" altLang="zh-CN">
+                <a:latin typeface="宋体" panose="02010600030101010101" pitchFamily="2" charset="-122"/>
+                <a:ea typeface="宋体" panose="02010600030101010101" pitchFamily="2" charset="-122"/>
+                <a:cs typeface="宋体" panose="02010600030101010101" pitchFamily="2" charset="-122"/>
+              </a:rPr>
+              <a:t>Exception（异常）分两大类：运行时异常和非运行时异常(编译异常)。程序中应当尽可能去处理这些异常。</a:t>
+            </a:r>
+            <a:endParaRPr lang="en-US" altLang="zh-CN">
+              <a:latin typeface="宋体" panose="02010600030101010101" pitchFamily="2" charset="-122"/>
+              <a:ea typeface="宋体" panose="02010600030101010101" pitchFamily="2" charset="-122"/>
+              <a:cs typeface="宋体" panose="02010600030101010101" pitchFamily="2" charset="-122"/>
+            </a:endParaRPr>
+          </a:p>
+          <a:p>
+            <a:endParaRPr lang="en-US" altLang="zh-CN">
+              <a:latin typeface="宋体" panose="02010600030101010101" pitchFamily="2" charset="-122"/>
+              <a:ea typeface="宋体" panose="02010600030101010101" pitchFamily="2" charset="-122"/>
+              <a:cs typeface="宋体" panose="02010600030101010101" pitchFamily="2" charset="-122"/>
+            </a:endParaRPr>
+          </a:p>
+          <a:p>
+            <a:r>
+              <a:rPr lang="en-US" altLang="zh-CN">
+                <a:latin typeface="宋体" panose="02010600030101010101" pitchFamily="2" charset="-122"/>
+                <a:ea typeface="宋体" panose="02010600030101010101" pitchFamily="2" charset="-122"/>
+                <a:cs typeface="宋体" panose="02010600030101010101" pitchFamily="2" charset="-122"/>
+              </a:rPr>
+              <a:t> 1.运行时异常：都是RuntimeException类及其子类异常，如NullPointerException(空指针异常)、IndexOutOfBoundsException(下标越界异常)等，</a:t>
+            </a:r>
+            <a:r>
+              <a:rPr lang="en-US" altLang="zh-CN">
+                <a:solidFill>
+                  <a:srgbClr val="FF0000"/>
+                </a:solidFill>
+                <a:latin typeface="宋体" panose="02010600030101010101" pitchFamily="2" charset="-122"/>
+                <a:ea typeface="宋体" panose="02010600030101010101" pitchFamily="2" charset="-122"/>
+                <a:cs typeface="宋体" panose="02010600030101010101" pitchFamily="2" charset="-122"/>
+              </a:rPr>
+              <a:t>这些异常是不检查异常，程序中可以选择捕获处理，也可以不处理</a:t>
+            </a:r>
+            <a:r>
+              <a:rPr lang="en-US" altLang="zh-CN">
+                <a:latin typeface="宋体" panose="02010600030101010101" pitchFamily="2" charset="-122"/>
+                <a:ea typeface="宋体" panose="02010600030101010101" pitchFamily="2" charset="-122"/>
+                <a:cs typeface="宋体" panose="02010600030101010101" pitchFamily="2" charset="-122"/>
+              </a:rPr>
+              <a:t>。这些异常一般是由程序逻辑错误引起的，程序应该从逻辑角度尽可能避免这类异常的发生。运行时异常的特点是Java编译器不会检查它，也就是说，当程序中可能出现这类异常，即使没有用try-catch语句捕获它，也没有用throws子句声明抛出它，也会编译通过。</a:t>
+            </a:r>
+            <a:endParaRPr lang="en-US" altLang="zh-CN">
+              <a:latin typeface="宋体" panose="02010600030101010101" pitchFamily="2" charset="-122"/>
+              <a:ea typeface="宋体" panose="02010600030101010101" pitchFamily="2" charset="-122"/>
+              <a:cs typeface="宋体" panose="02010600030101010101" pitchFamily="2" charset="-122"/>
+            </a:endParaRPr>
+          </a:p>
+          <a:p>
+            <a:r>
+              <a:rPr lang="en-US" altLang="zh-CN">
+                <a:latin typeface="宋体" panose="02010600030101010101" pitchFamily="2" charset="-122"/>
+                <a:ea typeface="宋体" panose="02010600030101010101" pitchFamily="2" charset="-122"/>
+                <a:cs typeface="宋体" panose="02010600030101010101" pitchFamily="2" charset="-122"/>
+              </a:rPr>
+              <a:t> 2.非运行时异常 （编译异常）：是RuntimeException以外的异常，类型上都属于Exception类及其子类。</a:t>
+            </a:r>
+            <a:r>
+              <a:rPr lang="en-US" altLang="zh-CN">
+                <a:solidFill>
+                  <a:srgbClr val="FF0000"/>
+                </a:solidFill>
+                <a:latin typeface="宋体" panose="02010600030101010101" pitchFamily="2" charset="-122"/>
+                <a:ea typeface="宋体" panose="02010600030101010101" pitchFamily="2" charset="-122"/>
+                <a:cs typeface="宋体" panose="02010600030101010101" pitchFamily="2" charset="-122"/>
+              </a:rPr>
+              <a:t>从程序语法角度讲是必须进行处理的异常，如果不处理，程序就不能编译通过</a:t>
+            </a:r>
+            <a:r>
+              <a:rPr lang="en-US" altLang="zh-CN">
+                <a:latin typeface="宋体" panose="02010600030101010101" pitchFamily="2" charset="-122"/>
+                <a:ea typeface="宋体" panose="02010600030101010101" pitchFamily="2" charset="-122"/>
+                <a:cs typeface="宋体" panose="02010600030101010101" pitchFamily="2" charset="-122"/>
+              </a:rPr>
+              <a:t>。如IOException、SQLException等以及用户自定义的Exception异常。 </a:t>
+            </a:r>
+            <a:endParaRPr lang="en-US" altLang="zh-CN">
+              <a:latin typeface="宋体" panose="02010600030101010101" pitchFamily="2" charset="-122"/>
+              <a:ea typeface="宋体" panose="02010600030101010101" pitchFamily="2" charset="-122"/>
+              <a:cs typeface="宋体" panose="02010600030101010101" pitchFamily="2" charset="-122"/>
+            </a:endParaRPr>
+          </a:p>
+        </p:txBody>
+      </p:sp>
+      <p:sp>
+        <p:nvSpPr>
+          <p:cNvPr id="4" name="文本框 3"/>
+          <p:cNvSpPr txBox="1"/>
+          <p:nvPr/>
+        </p:nvSpPr>
+        <p:spPr>
+          <a:xfrm>
+            <a:off x="323850" y="819150"/>
+            <a:ext cx="11508105" cy="583565"/>
+          </a:xfrm>
+          <a:prstGeom prst="rect">
+            <a:avLst/>
+          </a:prstGeom>
+          <a:noFill/>
+        </p:spPr>
+        <p:txBody>
+          <a:bodyPr wrap="square" rtlCol="0">
+            <a:spAutoFit/>
+          </a:bodyPr>
+          <a:p>
+            <a:pPr algn="ctr"/>
+            <a:r>
+              <a:rPr lang="zh-CN" altLang="en-US" sz="3200"/>
+              <a:t>运行时异常和编译异常</a:t>
+            </a:r>
+            <a:endParaRPr lang="zh-CN" altLang="en-US" sz="3200"/>
+          </a:p>
+        </p:txBody>
+      </p:sp>
+    </p:spTree>
+    <p:custDataLst>
+      <p:tags r:id="rId2"/>
+    </p:custDataLst>
+  </p:cSld>
+  <p:clrMapOvr>
+    <a:masterClrMapping/>
+  </p:clrMapOvr>
+</p:sld>
+</file>
+
+<file path=ppt/slides/slide8.xml><?xml version="1.0" encoding="utf-8"?>
+<p:sld xmlns:a="http://schemas.openxmlformats.org/drawingml/2006/main" xmlns:r="http://schemas.openxmlformats.org/officeDocument/2006/relationships" xmlns:p="http://schemas.openxmlformats.org/presentationml/2006/main">
+  <p:cSld>
+    <p:bg>
+      <p:bgPr>
+        <a:blipFill rotWithShape="1">
+          <a:blip r:embed="rId1"/>
+          <a:stretch>
+            <a:fillRect/>
+          </a:stretch>
+        </a:blipFill>
+        <a:effectLst/>
+      </p:bgPr>
+    </p:bg>
+    <p:spTree>
+      <p:nvGrpSpPr>
+        <p:cNvPr id="1" name=""/>
+        <p:cNvGrpSpPr/>
+        <p:nvPr/>
+      </p:nvGrpSpPr>
+      <p:grpSpPr/>
+      <p:sp>
+        <p:nvSpPr>
+          <p:cNvPr id="3" name="文本框 2"/>
+          <p:cNvSpPr txBox="1"/>
+          <p:nvPr/>
+        </p:nvSpPr>
+        <p:spPr>
+          <a:xfrm>
+            <a:off x="149225" y="1521460"/>
+            <a:ext cx="11894185" cy="2861310"/>
+          </a:xfrm>
+          <a:prstGeom prst="rect">
+            <a:avLst/>
+          </a:prstGeom>
+          <a:noFill/>
+        </p:spPr>
+        <p:txBody>
+          <a:bodyPr wrap="square" rtlCol="0">
+            <a:spAutoFit/>
+          </a:bodyPr>
+          <a:p>
+            <a:r>
+              <a:rPr lang="en-US" altLang="zh-CN" sz="2000">
+                <a:latin typeface="宋体" panose="02010600030101010101" pitchFamily="2" charset="-122"/>
+                <a:ea typeface="宋体" panose="02010600030101010101" pitchFamily="2" charset="-122"/>
+                <a:cs typeface="宋体" panose="02010600030101010101" pitchFamily="2" charset="-122"/>
+              </a:rPr>
+              <a:t>1. </a:t>
+            </a:r>
+            <a:r>
+              <a:rPr lang="zh-CN" altLang="en-US" sz="2000">
+                <a:latin typeface="宋体" panose="02010600030101010101" pitchFamily="2" charset="-122"/>
+                <a:ea typeface="宋体" panose="02010600030101010101" pitchFamily="2" charset="-122"/>
+                <a:cs typeface="宋体" panose="02010600030101010101" pitchFamily="2" charset="-122"/>
+              </a:rPr>
+              <a:t>检查</a:t>
+            </a:r>
+            <a:r>
+              <a:rPr lang="en-US" altLang="zh-CN" sz="2000">
+                <a:latin typeface="宋体" panose="02010600030101010101" pitchFamily="2" charset="-122"/>
+                <a:ea typeface="宋体" panose="02010600030101010101" pitchFamily="2" charset="-122"/>
+                <a:cs typeface="宋体" panose="02010600030101010101" pitchFamily="2" charset="-122"/>
+              </a:rPr>
+              <a:t>异常（编译器要求必须处置的异常）：正确的程序在运行中，很容易出现的、情理可容的异常状况。</a:t>
+            </a:r>
+            <a:r>
+              <a:rPr lang="en-US" altLang="zh-CN" sz="2000">
+                <a:solidFill>
+                  <a:srgbClr val="FF0000"/>
+                </a:solidFill>
+                <a:latin typeface="宋体" panose="02010600030101010101" pitchFamily="2" charset="-122"/>
+                <a:ea typeface="宋体" panose="02010600030101010101" pitchFamily="2" charset="-122"/>
+                <a:cs typeface="宋体" panose="02010600030101010101" pitchFamily="2" charset="-122"/>
+              </a:rPr>
+              <a:t>除了Exception中的RuntimeException及RuntimeException的子类以外</a:t>
+            </a:r>
+            <a:r>
+              <a:rPr lang="en-US" altLang="zh-CN" sz="2000">
+                <a:latin typeface="宋体" panose="02010600030101010101" pitchFamily="2" charset="-122"/>
+                <a:ea typeface="宋体" panose="02010600030101010101" pitchFamily="2" charset="-122"/>
+                <a:cs typeface="宋体" panose="02010600030101010101" pitchFamily="2" charset="-122"/>
+              </a:rPr>
+              <a:t>，其他的Exception类及其子类(例如：IOException和ClassNotFoundException)都属于可查异常。这种异常的特点是Java编译器会检查它，也就是说，当程序中可能出现这类异常，要么用try-catch语句捕获它，要么用throws子句声明抛出它，否则编译不会通过。</a:t>
+            </a:r>
+            <a:endParaRPr lang="en-US" altLang="zh-CN" sz="2000">
+              <a:latin typeface="宋体" panose="02010600030101010101" pitchFamily="2" charset="-122"/>
+              <a:ea typeface="宋体" panose="02010600030101010101" pitchFamily="2" charset="-122"/>
+              <a:cs typeface="宋体" panose="02010600030101010101" pitchFamily="2" charset="-122"/>
+            </a:endParaRPr>
+          </a:p>
+          <a:p>
+            <a:r>
+              <a:rPr lang="en-US" altLang="zh-CN" sz="2000">
+                <a:latin typeface="宋体" panose="02010600030101010101" pitchFamily="2" charset="-122"/>
+                <a:ea typeface="宋体" panose="02010600030101010101" pitchFamily="2" charset="-122"/>
+                <a:cs typeface="宋体" panose="02010600030101010101" pitchFamily="2" charset="-122"/>
+              </a:rPr>
+              <a:t>2. </a:t>
+            </a:r>
+            <a:r>
+              <a:rPr lang="zh-CN" altLang="en-US" sz="2000">
+                <a:latin typeface="宋体" panose="02010600030101010101" pitchFamily="2" charset="-122"/>
+                <a:ea typeface="宋体" panose="02010600030101010101" pitchFamily="2" charset="-122"/>
+                <a:cs typeface="宋体" panose="02010600030101010101" pitchFamily="2" charset="-122"/>
+              </a:rPr>
+              <a:t>非检查</a:t>
+            </a:r>
+            <a:r>
+              <a:rPr lang="en-US" altLang="zh-CN" sz="2000">
+                <a:latin typeface="宋体" panose="02010600030101010101" pitchFamily="2" charset="-122"/>
+                <a:ea typeface="宋体" panose="02010600030101010101" pitchFamily="2" charset="-122"/>
+                <a:cs typeface="宋体" panose="02010600030101010101" pitchFamily="2" charset="-122"/>
+              </a:rPr>
+              <a:t>异常(编译器不要求强制处置的异常):</a:t>
+            </a:r>
+            <a:r>
+              <a:rPr lang="en-US" altLang="zh-CN" sz="2000">
+                <a:solidFill>
+                  <a:srgbClr val="FF0000"/>
+                </a:solidFill>
+                <a:latin typeface="宋体" panose="02010600030101010101" pitchFamily="2" charset="-122"/>
+                <a:ea typeface="宋体" panose="02010600030101010101" pitchFamily="2" charset="-122"/>
+                <a:cs typeface="宋体" panose="02010600030101010101" pitchFamily="2" charset="-122"/>
+              </a:rPr>
+              <a:t>包括运行时异常（RuntimeException与其子类）和错误（Error）</a:t>
+            </a:r>
+            <a:r>
+              <a:rPr lang="en-US" altLang="zh-CN" sz="2000">
+                <a:latin typeface="宋体" panose="02010600030101010101" pitchFamily="2" charset="-122"/>
+                <a:ea typeface="宋体" panose="02010600030101010101" pitchFamily="2" charset="-122"/>
+                <a:cs typeface="宋体" panose="02010600030101010101" pitchFamily="2" charset="-122"/>
+              </a:rPr>
+              <a:t>。RuntimeException表示编译器不会检查程序是否对RuntimeException作了处理，在程序中不必捕获RuntimException类型的异常，也不必在方法体声明抛出RuntimeException类。RuntimeException发生的时候，表示程序中出现了编程错误，所以应该找出错误修改程序，而不是去捕获RuntimeException。</a:t>
+            </a:r>
+            <a:endParaRPr lang="en-US" altLang="zh-CN" sz="2000">
+              <a:latin typeface="宋体" panose="02010600030101010101" pitchFamily="2" charset="-122"/>
+              <a:ea typeface="宋体" panose="02010600030101010101" pitchFamily="2" charset="-122"/>
+              <a:cs typeface="宋体" panose="02010600030101010101" pitchFamily="2" charset="-122"/>
+            </a:endParaRPr>
+          </a:p>
+        </p:txBody>
+      </p:sp>
+      <p:sp>
+        <p:nvSpPr>
+          <p:cNvPr id="4" name="文本框 3"/>
+          <p:cNvSpPr txBox="1"/>
+          <p:nvPr/>
+        </p:nvSpPr>
+        <p:spPr>
+          <a:xfrm>
+            <a:off x="323850" y="819150"/>
+            <a:ext cx="11508105" cy="583565"/>
+          </a:xfrm>
+          <a:prstGeom prst="rect">
+            <a:avLst/>
+          </a:prstGeom>
+          <a:noFill/>
+        </p:spPr>
+        <p:txBody>
+          <a:bodyPr wrap="square" rtlCol="0">
+            <a:spAutoFit/>
+          </a:bodyPr>
+          <a:p>
+            <a:pPr algn="ctr"/>
+            <a:r>
+              <a:rPr lang="zh-CN" altLang="en-US" sz="3200"/>
+              <a:t>检查异常和非检查异常</a:t>
+            </a:r>
+            <a:endParaRPr lang="zh-CN" altLang="en-US" sz="3200"/>
+          </a:p>
+        </p:txBody>
+      </p:sp>
+    </p:spTree>
+    <p:custDataLst>
+      <p:tags r:id="rId2"/>
+    </p:custDataLst>
+  </p:cSld>
+  <p:clrMapOvr>
+    <a:masterClrMapping/>
+  </p:clrMapOvr>
+</p:sld>
+</file>
+
+<file path=ppt/slides/slide9.xml><?xml version="1.0" encoding="utf-8"?>
+<p:sld xmlns:a="http://schemas.openxmlformats.org/drawingml/2006/main" xmlns:r="http://schemas.openxmlformats.org/officeDocument/2006/relationships" xmlns:p="http://schemas.openxmlformats.org/presentationml/2006/main">
+  <p:cSld>
+    <p:bg>
+      <p:bgPr>
+        <a:blipFill rotWithShape="1">
+          <a:blip r:embed="rId1"/>
+          <a:stretch>
+            <a:fillRect/>
+          </a:stretch>
+        </a:blipFill>
+        <a:effectLst/>
+      </p:bgPr>
+    </p:bg>
+    <p:spTree>
+      <p:nvGrpSpPr>
+        <p:cNvPr id="1" name=""/>
+        <p:cNvGrpSpPr/>
+        <p:nvPr/>
+      </p:nvGrpSpPr>
+      <p:grpSpPr/>
+      <p:sp>
+        <p:nvSpPr>
+          <p:cNvPr id="3" name="文本框 2"/>
+          <p:cNvSpPr txBox="1"/>
+          <p:nvPr/>
+        </p:nvSpPr>
+        <p:spPr>
+          <a:xfrm>
+            <a:off x="237490" y="1472565"/>
+            <a:ext cx="11894185" cy="5015865"/>
+          </a:xfrm>
+          <a:prstGeom prst="rect">
+            <a:avLst/>
+          </a:prstGeom>
+          <a:noFill/>
+        </p:spPr>
+        <p:txBody>
+          <a:bodyPr wrap="square" rtlCol="0">
+            <a:spAutoFit/>
+          </a:bodyPr>
+          <a:p>
+            <a:r>
+              <a:rPr lang="en-US" altLang="zh-CN" sz="2000">
+                <a:latin typeface="宋体" panose="02010600030101010101" pitchFamily="2" charset="-122"/>
+                <a:ea typeface="宋体" panose="02010600030101010101" pitchFamily="2" charset="-122"/>
+                <a:cs typeface="宋体" panose="02010600030101010101" pitchFamily="2" charset="-122"/>
+              </a:rPr>
+              <a:t>在 Java 应用程序中，异常处理机制为：</a:t>
+            </a:r>
+            <a:r>
+              <a:rPr lang="en-US" altLang="zh-CN" sz="2000" b="1">
+                <a:solidFill>
+                  <a:srgbClr val="FF0000"/>
+                </a:solidFill>
+                <a:latin typeface="宋体" panose="02010600030101010101" pitchFamily="2" charset="-122"/>
+                <a:ea typeface="宋体" panose="02010600030101010101" pitchFamily="2" charset="-122"/>
+                <a:cs typeface="宋体" panose="02010600030101010101" pitchFamily="2" charset="-122"/>
+              </a:rPr>
+              <a:t>抛出异常，捕捉异常</a:t>
+            </a:r>
+            <a:r>
+              <a:rPr lang="en-US" altLang="zh-CN" sz="2000">
+                <a:latin typeface="宋体" panose="02010600030101010101" pitchFamily="2" charset="-122"/>
+                <a:ea typeface="宋体" panose="02010600030101010101" pitchFamily="2" charset="-122"/>
+                <a:cs typeface="宋体" panose="02010600030101010101" pitchFamily="2" charset="-122"/>
+              </a:rPr>
+              <a:t>。</a:t>
+            </a:r>
+            <a:endParaRPr lang="en-US" altLang="zh-CN" sz="2000">
+              <a:latin typeface="宋体" panose="02010600030101010101" pitchFamily="2" charset="-122"/>
+              <a:ea typeface="宋体" panose="02010600030101010101" pitchFamily="2" charset="-122"/>
+              <a:cs typeface="宋体" panose="02010600030101010101" pitchFamily="2" charset="-122"/>
+            </a:endParaRPr>
+          </a:p>
+          <a:p>
+            <a:r>
+              <a:rPr lang="en-US" altLang="zh-CN" sz="2000">
+                <a:latin typeface="宋体" panose="02010600030101010101" pitchFamily="2" charset="-122"/>
+                <a:ea typeface="宋体" panose="02010600030101010101" pitchFamily="2" charset="-122"/>
+                <a:cs typeface="宋体" panose="02010600030101010101" pitchFamily="2" charset="-122"/>
+              </a:rPr>
+              <a:t>1. 抛出异常：当一个方法出现错误引发异常时，方法创建异常对象并交付运行时系统，异常对象中包含了异常类型和异常出现时的程序状态等异常信息。运行时系统负责寻找处置异常的代码并执行。详细信息请查看《简述throw-throws异常抛出》。</a:t>
+            </a:r>
+            <a:endParaRPr lang="en-US" altLang="zh-CN" sz="2000">
+              <a:latin typeface="宋体" panose="02010600030101010101" pitchFamily="2" charset="-122"/>
+              <a:ea typeface="宋体" panose="02010600030101010101" pitchFamily="2" charset="-122"/>
+              <a:cs typeface="宋体" panose="02010600030101010101" pitchFamily="2" charset="-122"/>
+            </a:endParaRPr>
+          </a:p>
+          <a:p>
+            <a:endParaRPr lang="en-US" altLang="zh-CN" sz="2000">
+              <a:latin typeface="宋体" panose="02010600030101010101" pitchFamily="2" charset="-122"/>
+              <a:ea typeface="宋体" panose="02010600030101010101" pitchFamily="2" charset="-122"/>
+              <a:cs typeface="宋体" panose="02010600030101010101" pitchFamily="2" charset="-122"/>
+            </a:endParaRPr>
+          </a:p>
+          <a:p>
+            <a:r>
+              <a:rPr lang="en-US" altLang="zh-CN" sz="2000">
+                <a:latin typeface="宋体" panose="02010600030101010101" pitchFamily="2" charset="-122"/>
+                <a:ea typeface="宋体" panose="02010600030101010101" pitchFamily="2" charset="-122"/>
+                <a:cs typeface="宋体" panose="02010600030101010101" pitchFamily="2" charset="-122"/>
+              </a:rPr>
+              <a:t>2. 捕获异常：在方法抛出异常之后，运行时系统将转为寻找合适的异常处理器（exception handler）。潜在的异常处理器是异常发生时依次存留在调用栈中的方法的集合。当异常处理器所能处理的异常类型与方法抛出的异常类型相符时，即为合适 的异常处理器。运行时系统从发生异常的方法开始，依次回查调用栈中的方法，直至找到含有合适异常处理器的方法并执行。当运行时系统遍历调用栈而未找到合适的异常处理器，则运行时系统终止。同时，意味着Java程序的终止。</a:t>
+            </a:r>
+            <a:endParaRPr lang="en-US" altLang="zh-CN" sz="2000">
+              <a:latin typeface="宋体" panose="02010600030101010101" pitchFamily="2" charset="-122"/>
+              <a:ea typeface="宋体" panose="02010600030101010101" pitchFamily="2" charset="-122"/>
+              <a:cs typeface="宋体" panose="02010600030101010101" pitchFamily="2" charset="-122"/>
+            </a:endParaRPr>
+          </a:p>
+          <a:p>
+            <a:endParaRPr lang="en-US" altLang="zh-CN" sz="2000">
+              <a:latin typeface="宋体" panose="02010600030101010101" pitchFamily="2" charset="-122"/>
+              <a:ea typeface="宋体" panose="02010600030101010101" pitchFamily="2" charset="-122"/>
+              <a:cs typeface="宋体" panose="02010600030101010101" pitchFamily="2" charset="-122"/>
+            </a:endParaRPr>
+          </a:p>
+          <a:p>
+            <a:r>
+              <a:rPr lang="en-US" altLang="zh-CN" sz="2000">
+                <a:latin typeface="宋体" panose="02010600030101010101" pitchFamily="2" charset="-122"/>
+                <a:ea typeface="宋体" panose="02010600030101010101" pitchFamily="2" charset="-122"/>
+                <a:cs typeface="宋体" panose="02010600030101010101" pitchFamily="2" charset="-122"/>
+              </a:rPr>
+              <a:t>异常抛出：任何Java代码都可以抛出异常，如：自己编写的代码、来自Java开发环境包中代码，或者Java运行时系统。无论是谁，都可以通过Java的throw语句抛出异常。从方法中抛出的任何异常都必须使用throws子句。</a:t>
+            </a:r>
+            <a:endParaRPr lang="en-US" altLang="zh-CN" sz="2000">
+              <a:latin typeface="宋体" panose="02010600030101010101" pitchFamily="2" charset="-122"/>
+              <a:ea typeface="宋体" panose="02010600030101010101" pitchFamily="2" charset="-122"/>
+              <a:cs typeface="宋体" panose="02010600030101010101" pitchFamily="2" charset="-122"/>
+            </a:endParaRPr>
+          </a:p>
+          <a:p>
+            <a:endParaRPr lang="en-US" altLang="zh-CN" sz="2000">
+              <a:latin typeface="宋体" panose="02010600030101010101" pitchFamily="2" charset="-122"/>
+              <a:ea typeface="宋体" panose="02010600030101010101" pitchFamily="2" charset="-122"/>
+              <a:cs typeface="宋体" panose="02010600030101010101" pitchFamily="2" charset="-122"/>
+            </a:endParaRPr>
+          </a:p>
+          <a:p>
+            <a:r>
+              <a:rPr lang="en-US" altLang="zh-CN" sz="2000">
+                <a:latin typeface="宋体" panose="02010600030101010101" pitchFamily="2" charset="-122"/>
+                <a:ea typeface="宋体" panose="02010600030101010101" pitchFamily="2" charset="-122"/>
+                <a:cs typeface="宋体" panose="02010600030101010101" pitchFamily="2" charset="-122"/>
+              </a:rPr>
+              <a:t>异常捕获：捕捉异常通过try-catch语句或者try-catch-finally语句实现。</a:t>
+            </a:r>
+            <a:endParaRPr lang="en-US" altLang="zh-CN" sz="2000">
+              <a:latin typeface="宋体" panose="02010600030101010101" pitchFamily="2" charset="-122"/>
+              <a:ea typeface="宋体" panose="02010600030101010101" pitchFamily="2" charset="-122"/>
+              <a:cs typeface="宋体" panose="02010600030101010101" pitchFamily="2" charset="-122"/>
+            </a:endParaRPr>
+          </a:p>
+        </p:txBody>
+      </p:sp>
+      <p:sp>
+        <p:nvSpPr>
+          <p:cNvPr id="4" name="文本框 3"/>
+          <p:cNvSpPr txBox="1"/>
+          <p:nvPr/>
+        </p:nvSpPr>
+        <p:spPr>
+          <a:xfrm>
+            <a:off x="323850" y="819150"/>
+            <a:ext cx="11508105" cy="583565"/>
+          </a:xfrm>
+          <a:prstGeom prst="rect">
+            <a:avLst/>
+          </a:prstGeom>
+          <a:noFill/>
+        </p:spPr>
+        <p:txBody>
+          <a:bodyPr wrap="square" rtlCol="0">
+            <a:spAutoFit/>
+          </a:bodyPr>
+          <a:p>
+            <a:pPr algn="ctr"/>
+            <a:r>
+              <a:rPr lang="zh-CN" altLang="en-US" sz="3200"/>
+              <a:t>Java 异常处理机制</a:t>
+            </a:r>
+            <a:endParaRPr lang="zh-CN" altLang="en-US" sz="3200"/>
+          </a:p>
+        </p:txBody>
+      </p:sp>
+    </p:spTree>
+    <p:custDataLst>
+      <p:tags r:id="rId2"/>
+    </p:custDataLst>
+  </p:cSld>
+  <p:clrMapOvr>
+    <a:masterClrMapping/>
+  </p:clrMapOvr>
+</p:sld>
+</file>
+
 <file path=ppt/tags/tag1.xml><?xml version="1.0" encoding="utf-8"?>
 <p:tagLst xmlns:p="http://schemas.openxmlformats.org/presentationml/2006/main">
   <p:tag name="KSO_WM_UNIT_HIGHLIGHT" val="0"/>
@@ -9174,6 +9703,42 @@
 </file>
 
 <file path=ppt/tags/tag90.xml><?xml version="1.0" encoding="utf-8"?>
+<p:tagLst xmlns:p="http://schemas.openxmlformats.org/presentationml/2006/main">
+  <p:tag name="KSO_WM_BEAUTIFY_FLAG" val="#wm#"/>
+  <p:tag name="KSO_WM_TEMPLATE_CATEGORY" val="custom"/>
+  <p:tag name="KSO_WM_TEMPLATE_INDEX" val="20203858"/>
+  <p:tag name="KSO_WM_SPECIAL_SOURCE" val="bdnull"/>
+</p:tagLst>
+</file>
+
+<file path=ppt/tags/tag91.xml><?xml version="1.0" encoding="utf-8"?>
+<p:tagLst xmlns:p="http://schemas.openxmlformats.org/presentationml/2006/main">
+  <p:tag name="KSO_WM_BEAUTIFY_FLAG" val="#wm#"/>
+  <p:tag name="KSO_WM_TEMPLATE_CATEGORY" val="custom"/>
+  <p:tag name="KSO_WM_TEMPLATE_INDEX" val="20203858"/>
+  <p:tag name="KSO_WM_SPECIAL_SOURCE" val="bdnull"/>
+</p:tagLst>
+</file>
+
+<file path=ppt/tags/tag92.xml><?xml version="1.0" encoding="utf-8"?>
+<p:tagLst xmlns:p="http://schemas.openxmlformats.org/presentationml/2006/main">
+  <p:tag name="KSO_WM_BEAUTIFY_FLAG" val="#wm#"/>
+  <p:tag name="KSO_WM_TEMPLATE_CATEGORY" val="custom"/>
+  <p:tag name="KSO_WM_TEMPLATE_INDEX" val="20203858"/>
+  <p:tag name="KSO_WM_SPECIAL_SOURCE" val="bdnull"/>
+</p:tagLst>
+</file>
+
+<file path=ppt/tags/tag93.xml><?xml version="1.0" encoding="utf-8"?>
+<p:tagLst xmlns:p="http://schemas.openxmlformats.org/presentationml/2006/main">
+  <p:tag name="KSO_WM_BEAUTIFY_FLAG" val="#wm#"/>
+  <p:tag name="KSO_WM_TEMPLATE_CATEGORY" val="custom"/>
+  <p:tag name="KSO_WM_TEMPLATE_INDEX" val="20203858"/>
+  <p:tag name="KSO_WM_SPECIAL_SOURCE" val="bdnull"/>
+</p:tagLst>
+</file>
+
+<file path=ppt/tags/tag94.xml><?xml version="1.0" encoding="utf-8"?>
 <p:tagLst xmlns:p="http://schemas.openxmlformats.org/presentationml/2006/main">
   <p:tag name="KSO_WM_BEAUTIFY_FLAG" val="#wm#"/>
   <p:tag name="KSO_WM_TEMPLATE_CATEGORY" val="custom"/>
